--- a/doc/ppt/org_modelmap.pptx
+++ b/doc/ppt/org_modelmap.pptx
@@ -6,21 +6,27 @@
   </p:sldMasterIdLst>
   <p:sldIdLst>
     <p:sldId id="256" r:id="rId2"/>
-    <p:sldId id="257" r:id="rId3"/>
-    <p:sldId id="258" r:id="rId4"/>
-    <p:sldId id="259" r:id="rId5"/>
-    <p:sldId id="260" r:id="rId6"/>
-    <p:sldId id="261" r:id="rId7"/>
-    <p:sldId id="262" r:id="rId8"/>
-    <p:sldId id="263" r:id="rId9"/>
-    <p:sldId id="264" r:id="rId10"/>
-    <p:sldId id="265" r:id="rId11"/>
-    <p:sldId id="266" r:id="rId12"/>
-    <p:sldId id="267" r:id="rId13"/>
-    <p:sldId id="268" r:id="rId14"/>
-    <p:sldId id="269" r:id="rId15"/>
-    <p:sldId id="270" r:id="rId16"/>
-    <p:sldId id="271" r:id="rId17"/>
+    <p:sldId id="272" r:id="rId3"/>
+    <p:sldId id="273" r:id="rId4"/>
+    <p:sldId id="274" r:id="rId5"/>
+    <p:sldId id="275" r:id="rId6"/>
+    <p:sldId id="276" r:id="rId7"/>
+    <p:sldId id="277" r:id="rId8"/>
+    <p:sldId id="257" r:id="rId9"/>
+    <p:sldId id="258" r:id="rId10"/>
+    <p:sldId id="259" r:id="rId11"/>
+    <p:sldId id="260" r:id="rId12"/>
+    <p:sldId id="261" r:id="rId13"/>
+    <p:sldId id="262" r:id="rId14"/>
+    <p:sldId id="263" r:id="rId15"/>
+    <p:sldId id="264" r:id="rId16"/>
+    <p:sldId id="265" r:id="rId17"/>
+    <p:sldId id="266" r:id="rId18"/>
+    <p:sldId id="267" r:id="rId19"/>
+    <p:sldId id="268" r:id="rId20"/>
+    <p:sldId id="269" r:id="rId21"/>
+    <p:sldId id="270" r:id="rId22"/>
+    <p:sldId id="271" r:id="rId23"/>
   </p:sldIdLst>
   <p:sldSz cx="9144000" cy="5143500" type="screen16x9"/>
   <p:notesSz cx="6858000" cy="9144000"/>
@@ -303,7 +309,7 @@
           <a:p>
             <a:fld id="{2A7C20BD-1A41-4E23-9B2E-A6255181AE6E}" type="datetimeFigureOut">
               <a:rPr lang="en-US" smtClean="0"/>
-              <a:t>10/13/2015</a:t>
+              <a:t>10/15/2015</a:t>
             </a:fld>
             <a:endParaRPr lang="en-US"/>
           </a:p>
@@ -473,7 +479,7 @@
           <a:p>
             <a:fld id="{2A7C20BD-1A41-4E23-9B2E-A6255181AE6E}" type="datetimeFigureOut">
               <a:rPr lang="en-US" smtClean="0"/>
-              <a:t>10/13/2015</a:t>
+              <a:t>10/15/2015</a:t>
             </a:fld>
             <a:endParaRPr lang="en-US"/>
           </a:p>
@@ -653,7 +659,7 @@
           <a:p>
             <a:fld id="{2A7C20BD-1A41-4E23-9B2E-A6255181AE6E}" type="datetimeFigureOut">
               <a:rPr lang="en-US" smtClean="0"/>
-              <a:t>10/13/2015</a:t>
+              <a:t>10/15/2015</a:t>
             </a:fld>
             <a:endParaRPr lang="en-US"/>
           </a:p>
@@ -823,7 +829,7 @@
           <a:p>
             <a:fld id="{2A7C20BD-1A41-4E23-9B2E-A6255181AE6E}" type="datetimeFigureOut">
               <a:rPr lang="en-US" smtClean="0"/>
-              <a:t>10/13/2015</a:t>
+              <a:t>10/15/2015</a:t>
             </a:fld>
             <a:endParaRPr lang="en-US"/>
           </a:p>
@@ -1069,7 +1075,7 @@
           <a:p>
             <a:fld id="{2A7C20BD-1A41-4E23-9B2E-A6255181AE6E}" type="datetimeFigureOut">
               <a:rPr lang="en-US" smtClean="0"/>
-              <a:t>10/13/2015</a:t>
+              <a:t>10/15/2015</a:t>
             </a:fld>
             <a:endParaRPr lang="en-US"/>
           </a:p>
@@ -1357,7 +1363,7 @@
           <a:p>
             <a:fld id="{2A7C20BD-1A41-4E23-9B2E-A6255181AE6E}" type="datetimeFigureOut">
               <a:rPr lang="en-US" smtClean="0"/>
-              <a:t>10/13/2015</a:t>
+              <a:t>10/15/2015</a:t>
             </a:fld>
             <a:endParaRPr lang="en-US"/>
           </a:p>
@@ -1779,7 +1785,7 @@
           <a:p>
             <a:fld id="{2A7C20BD-1A41-4E23-9B2E-A6255181AE6E}" type="datetimeFigureOut">
               <a:rPr lang="en-US" smtClean="0"/>
-              <a:t>10/13/2015</a:t>
+              <a:t>10/15/2015</a:t>
             </a:fld>
             <a:endParaRPr lang="en-US"/>
           </a:p>
@@ -1897,7 +1903,7 @@
           <a:p>
             <a:fld id="{2A7C20BD-1A41-4E23-9B2E-A6255181AE6E}" type="datetimeFigureOut">
               <a:rPr lang="en-US" smtClean="0"/>
-              <a:t>10/13/2015</a:t>
+              <a:t>10/15/2015</a:t>
             </a:fld>
             <a:endParaRPr lang="en-US"/>
           </a:p>
@@ -1992,7 +1998,7 @@
           <a:p>
             <a:fld id="{2A7C20BD-1A41-4E23-9B2E-A6255181AE6E}" type="datetimeFigureOut">
               <a:rPr lang="en-US" smtClean="0"/>
-              <a:t>10/13/2015</a:t>
+              <a:t>10/15/2015</a:t>
             </a:fld>
             <a:endParaRPr lang="en-US"/>
           </a:p>
@@ -2269,7 +2275,7 @@
           <a:p>
             <a:fld id="{2A7C20BD-1A41-4E23-9B2E-A6255181AE6E}" type="datetimeFigureOut">
               <a:rPr lang="en-US" smtClean="0"/>
-              <a:t>10/13/2015</a:t>
+              <a:t>10/15/2015</a:t>
             </a:fld>
             <a:endParaRPr lang="en-US"/>
           </a:p>
@@ -2522,7 +2528,7 @@
           <a:p>
             <a:fld id="{2A7C20BD-1A41-4E23-9B2E-A6255181AE6E}" type="datetimeFigureOut">
               <a:rPr lang="en-US" smtClean="0"/>
-              <a:t>10/13/2015</a:t>
+              <a:t>10/15/2015</a:t>
             </a:fld>
             <a:endParaRPr lang="en-US"/>
           </a:p>
@@ -2735,7 +2741,7 @@
           <a:p>
             <a:fld id="{2A7C20BD-1A41-4E23-9B2E-A6255181AE6E}" type="datetimeFigureOut">
               <a:rPr lang="en-US" smtClean="0"/>
-              <a:t>10/13/2015</a:t>
+              <a:t>10/15/2015</a:t>
             </a:fld>
             <a:endParaRPr lang="en-US"/>
           </a:p>
@@ -3204,6 +3210,522 @@
           <a:bodyPr/>
           <a:lstStyle/>
           <a:p>
+            <a:endParaRPr lang="en-US"/>
+          </a:p>
+        </p:txBody>
+      </p:sp>
+      <p:pic>
+        <p:nvPicPr>
+          <p:cNvPr id="5" name="Image 4"/>
+          <p:cNvPicPr>
+            <a:picLocks noChangeAspect="1"/>
+          </p:cNvPicPr>
+          <p:nvPr/>
+        </p:nvPicPr>
+        <p:blipFill>
+          <a:blip r:embed="rId2" cstate="print">
+            <a:extLst>
+              <a:ext uri="{28A0092B-C50C-407E-A947-70E740481C1C}">
+                <a14:useLocalDpi xmlns:a14="http://schemas.microsoft.com/office/drawing/2010/main" val="0"/>
+              </a:ext>
+            </a:extLst>
+          </a:blip>
+          <a:stretch>
+            <a:fillRect/>
+          </a:stretch>
+        </p:blipFill>
+        <p:spPr>
+          <a:xfrm>
+            <a:off x="133356" y="2038350"/>
+            <a:ext cx="8877288" cy="3084875"/>
+          </a:xfrm>
+          <a:prstGeom prst="rect">
+            <a:avLst/>
+          </a:prstGeom>
+        </p:spPr>
+      </p:pic>
+    </p:spTree>
+    <p:extLst>
+      <p:ext uri="{BB962C8B-B14F-4D97-AF65-F5344CB8AC3E}">
+        <p14:creationId xmlns:p14="http://schemas.microsoft.com/office/powerpoint/2010/main" val="3978634020"/>
+      </p:ext>
+    </p:extLst>
+  </p:cSld>
+  <p:clrMapOvr>
+    <a:masterClrMapping/>
+  </p:clrMapOvr>
+  <p:timing>
+    <p:tnLst>
+      <p:par>
+        <p:cTn id="1" dur="indefinite" restart="never" nodeType="tmRoot"/>
+      </p:par>
+    </p:tnLst>
+  </p:timing>
+</p:sld>
+</file>
+
+<file path=ppt/slides/slide11.xml><?xml version="1.0" encoding="utf-8"?>
+<p:sld xmlns:a="http://schemas.openxmlformats.org/drawingml/2006/main" xmlns:r="http://schemas.openxmlformats.org/officeDocument/2006/relationships" xmlns:p="http://schemas.openxmlformats.org/presentationml/2006/main">
+  <p:cSld>
+    <p:spTree>
+      <p:nvGrpSpPr>
+        <p:cNvPr id="1" name=""/>
+        <p:cNvGrpSpPr/>
+        <p:nvPr/>
+      </p:nvGrpSpPr>
+      <p:grpSpPr>
+        <a:xfrm>
+          <a:off x="0" y="0"/>
+          <a:ext cx="0" cy="0"/>
+          <a:chOff x="0" y="0"/>
+          <a:chExt cx="0" cy="0"/>
+        </a:xfrm>
+      </p:grpSpPr>
+      <p:sp>
+        <p:nvSpPr>
+          <p:cNvPr id="2" name="Titre 1"/>
+          <p:cNvSpPr>
+            <a:spLocks noGrp="1"/>
+          </p:cNvSpPr>
+          <p:nvPr>
+            <p:ph type="title"/>
+          </p:nvPr>
+        </p:nvSpPr>
+        <p:spPr/>
+        <p:txBody>
+          <a:bodyPr/>
+          <a:lstStyle/>
+          <a:p>
+            <a:endParaRPr lang="en-US" dirty="0"/>
+          </a:p>
+        </p:txBody>
+      </p:sp>
+      <p:pic>
+        <p:nvPicPr>
+          <p:cNvPr id="4" name="Image 3"/>
+          <p:cNvPicPr>
+            <a:picLocks noChangeAspect="1"/>
+          </p:cNvPicPr>
+          <p:nvPr/>
+        </p:nvPicPr>
+        <p:blipFill>
+          <a:blip r:embed="rId2" cstate="print">
+            <a:extLst>
+              <a:ext uri="{28A0092B-C50C-407E-A947-70E740481C1C}">
+                <a14:useLocalDpi xmlns:a14="http://schemas.microsoft.com/office/drawing/2010/main" val="0"/>
+              </a:ext>
+            </a:extLst>
+          </a:blip>
+          <a:stretch>
+            <a:fillRect/>
+          </a:stretch>
+        </p:blipFill>
+        <p:spPr>
+          <a:xfrm>
+            <a:off x="133356" y="2038350"/>
+            <a:ext cx="8877288" cy="3084875"/>
+          </a:xfrm>
+          <a:prstGeom prst="rect">
+            <a:avLst/>
+          </a:prstGeom>
+        </p:spPr>
+      </p:pic>
+    </p:spTree>
+    <p:extLst>
+      <p:ext uri="{BB962C8B-B14F-4D97-AF65-F5344CB8AC3E}">
+        <p14:creationId xmlns:p14="http://schemas.microsoft.com/office/powerpoint/2010/main" val="1911978848"/>
+      </p:ext>
+    </p:extLst>
+  </p:cSld>
+  <p:clrMapOvr>
+    <a:masterClrMapping/>
+  </p:clrMapOvr>
+  <p:timing>
+    <p:tnLst>
+      <p:par>
+        <p:cTn id="1" dur="indefinite" restart="never" nodeType="tmRoot"/>
+      </p:par>
+    </p:tnLst>
+  </p:timing>
+</p:sld>
+</file>
+
+<file path=ppt/slides/slide12.xml><?xml version="1.0" encoding="utf-8"?>
+<p:sld xmlns:a="http://schemas.openxmlformats.org/drawingml/2006/main" xmlns:r="http://schemas.openxmlformats.org/officeDocument/2006/relationships" xmlns:p="http://schemas.openxmlformats.org/presentationml/2006/main">
+  <p:cSld>
+    <p:spTree>
+      <p:nvGrpSpPr>
+        <p:cNvPr id="1" name=""/>
+        <p:cNvGrpSpPr/>
+        <p:nvPr/>
+      </p:nvGrpSpPr>
+      <p:grpSpPr>
+        <a:xfrm>
+          <a:off x="0" y="0"/>
+          <a:ext cx="0" cy="0"/>
+          <a:chOff x="0" y="0"/>
+          <a:chExt cx="0" cy="0"/>
+        </a:xfrm>
+      </p:grpSpPr>
+      <p:sp>
+        <p:nvSpPr>
+          <p:cNvPr id="2" name="Titre 1"/>
+          <p:cNvSpPr>
+            <a:spLocks noGrp="1"/>
+          </p:cNvSpPr>
+          <p:nvPr>
+            <p:ph type="title"/>
+          </p:nvPr>
+        </p:nvSpPr>
+        <p:spPr/>
+        <p:txBody>
+          <a:bodyPr/>
+          <a:lstStyle/>
+          <a:p>
+            <a:endParaRPr lang="en-US" dirty="0"/>
+          </a:p>
+        </p:txBody>
+      </p:sp>
+      <p:pic>
+        <p:nvPicPr>
+          <p:cNvPr id="3" name="Image 2"/>
+          <p:cNvPicPr>
+            <a:picLocks noChangeAspect="1"/>
+          </p:cNvPicPr>
+          <p:nvPr/>
+        </p:nvPicPr>
+        <p:blipFill>
+          <a:blip r:embed="rId2" cstate="print">
+            <a:extLst>
+              <a:ext uri="{28A0092B-C50C-407E-A947-70E740481C1C}">
+                <a14:useLocalDpi xmlns:a14="http://schemas.microsoft.com/office/drawing/2010/main" val="0"/>
+              </a:ext>
+            </a:extLst>
+          </a:blip>
+          <a:stretch>
+            <a:fillRect/>
+          </a:stretch>
+        </p:blipFill>
+        <p:spPr>
+          <a:xfrm>
+            <a:off x="133356" y="2038350"/>
+            <a:ext cx="8877288" cy="3084875"/>
+          </a:xfrm>
+          <a:prstGeom prst="rect">
+            <a:avLst/>
+          </a:prstGeom>
+        </p:spPr>
+      </p:pic>
+    </p:spTree>
+    <p:extLst>
+      <p:ext uri="{BB962C8B-B14F-4D97-AF65-F5344CB8AC3E}">
+        <p14:creationId xmlns:p14="http://schemas.microsoft.com/office/powerpoint/2010/main" val="2965050689"/>
+      </p:ext>
+    </p:extLst>
+  </p:cSld>
+  <p:clrMapOvr>
+    <a:masterClrMapping/>
+  </p:clrMapOvr>
+  <p:timing>
+    <p:tnLst>
+      <p:par>
+        <p:cTn id="1" dur="indefinite" restart="never" nodeType="tmRoot"/>
+      </p:par>
+    </p:tnLst>
+  </p:timing>
+</p:sld>
+</file>
+
+<file path=ppt/slides/slide13.xml><?xml version="1.0" encoding="utf-8"?>
+<p:sld xmlns:a="http://schemas.openxmlformats.org/drawingml/2006/main" xmlns:r="http://schemas.openxmlformats.org/officeDocument/2006/relationships" xmlns:p="http://schemas.openxmlformats.org/presentationml/2006/main">
+  <p:cSld>
+    <p:spTree>
+      <p:nvGrpSpPr>
+        <p:cNvPr id="1" name=""/>
+        <p:cNvGrpSpPr/>
+        <p:nvPr/>
+      </p:nvGrpSpPr>
+      <p:grpSpPr>
+        <a:xfrm>
+          <a:off x="0" y="0"/>
+          <a:ext cx="0" cy="0"/>
+          <a:chOff x="0" y="0"/>
+          <a:chExt cx="0" cy="0"/>
+        </a:xfrm>
+      </p:grpSpPr>
+      <p:sp>
+        <p:nvSpPr>
+          <p:cNvPr id="2" name="Titre 1"/>
+          <p:cNvSpPr>
+            <a:spLocks noGrp="1"/>
+          </p:cNvSpPr>
+          <p:nvPr>
+            <p:ph type="title"/>
+          </p:nvPr>
+        </p:nvSpPr>
+        <p:spPr/>
+        <p:txBody>
+          <a:bodyPr/>
+          <a:lstStyle/>
+          <a:p>
+            <a:endParaRPr lang="en-US" dirty="0"/>
+          </a:p>
+        </p:txBody>
+      </p:sp>
+      <p:pic>
+        <p:nvPicPr>
+          <p:cNvPr id="3" name="Image 2"/>
+          <p:cNvPicPr>
+            <a:picLocks noChangeAspect="1"/>
+          </p:cNvPicPr>
+          <p:nvPr/>
+        </p:nvPicPr>
+        <p:blipFill>
+          <a:blip r:embed="rId2" cstate="print">
+            <a:extLst>
+              <a:ext uri="{28A0092B-C50C-407E-A947-70E740481C1C}">
+                <a14:useLocalDpi xmlns:a14="http://schemas.microsoft.com/office/drawing/2010/main" val="0"/>
+              </a:ext>
+            </a:extLst>
+          </a:blip>
+          <a:stretch>
+            <a:fillRect/>
+          </a:stretch>
+        </p:blipFill>
+        <p:spPr>
+          <a:xfrm>
+            <a:off x="133356" y="2038350"/>
+            <a:ext cx="8877288" cy="3084875"/>
+          </a:xfrm>
+          <a:prstGeom prst="rect">
+            <a:avLst/>
+          </a:prstGeom>
+        </p:spPr>
+      </p:pic>
+    </p:spTree>
+    <p:extLst>
+      <p:ext uri="{BB962C8B-B14F-4D97-AF65-F5344CB8AC3E}">
+        <p14:creationId xmlns:p14="http://schemas.microsoft.com/office/powerpoint/2010/main" val="2965050689"/>
+      </p:ext>
+    </p:extLst>
+  </p:cSld>
+  <p:clrMapOvr>
+    <a:masterClrMapping/>
+  </p:clrMapOvr>
+  <p:timing>
+    <p:tnLst>
+      <p:par>
+        <p:cTn id="1" dur="indefinite" restart="never" nodeType="tmRoot"/>
+      </p:par>
+    </p:tnLst>
+  </p:timing>
+</p:sld>
+</file>
+
+<file path=ppt/slides/slide14.xml><?xml version="1.0" encoding="utf-8"?>
+<p:sld xmlns:a="http://schemas.openxmlformats.org/drawingml/2006/main" xmlns:r="http://schemas.openxmlformats.org/officeDocument/2006/relationships" xmlns:p="http://schemas.openxmlformats.org/presentationml/2006/main">
+  <p:cSld>
+    <p:spTree>
+      <p:nvGrpSpPr>
+        <p:cNvPr id="1" name=""/>
+        <p:cNvGrpSpPr/>
+        <p:nvPr/>
+      </p:nvGrpSpPr>
+      <p:grpSpPr>
+        <a:xfrm>
+          <a:off x="0" y="0"/>
+          <a:ext cx="0" cy="0"/>
+          <a:chOff x="0" y="0"/>
+          <a:chExt cx="0" cy="0"/>
+        </a:xfrm>
+      </p:grpSpPr>
+      <p:sp>
+        <p:nvSpPr>
+          <p:cNvPr id="2" name="Titre 1"/>
+          <p:cNvSpPr>
+            <a:spLocks noGrp="1"/>
+          </p:cNvSpPr>
+          <p:nvPr>
+            <p:ph type="title"/>
+          </p:nvPr>
+        </p:nvSpPr>
+        <p:spPr/>
+        <p:txBody>
+          <a:bodyPr/>
+          <a:lstStyle/>
+          <a:p>
+            <a:endParaRPr lang="en-US" dirty="0"/>
+          </a:p>
+        </p:txBody>
+      </p:sp>
+      <p:pic>
+        <p:nvPicPr>
+          <p:cNvPr id="3" name="Image 2"/>
+          <p:cNvPicPr>
+            <a:picLocks noChangeAspect="1"/>
+          </p:cNvPicPr>
+          <p:nvPr/>
+        </p:nvPicPr>
+        <p:blipFill>
+          <a:blip r:embed="rId2" cstate="print">
+            <a:extLst>
+              <a:ext uri="{28A0092B-C50C-407E-A947-70E740481C1C}">
+                <a14:useLocalDpi xmlns:a14="http://schemas.microsoft.com/office/drawing/2010/main" val="0"/>
+              </a:ext>
+            </a:extLst>
+          </a:blip>
+          <a:stretch>
+            <a:fillRect/>
+          </a:stretch>
+        </p:blipFill>
+        <p:spPr>
+          <a:xfrm>
+            <a:off x="108860" y="2038350"/>
+            <a:ext cx="8926281" cy="3084875"/>
+          </a:xfrm>
+          <a:prstGeom prst="rect">
+            <a:avLst/>
+          </a:prstGeom>
+        </p:spPr>
+      </p:pic>
+    </p:spTree>
+    <p:extLst>
+      <p:ext uri="{BB962C8B-B14F-4D97-AF65-F5344CB8AC3E}">
+        <p14:creationId xmlns:p14="http://schemas.microsoft.com/office/powerpoint/2010/main" val="2965050689"/>
+      </p:ext>
+    </p:extLst>
+  </p:cSld>
+  <p:clrMapOvr>
+    <a:masterClrMapping/>
+  </p:clrMapOvr>
+  <p:timing>
+    <p:tnLst>
+      <p:par>
+        <p:cTn id="1" dur="indefinite" restart="never" nodeType="tmRoot"/>
+      </p:par>
+    </p:tnLst>
+  </p:timing>
+</p:sld>
+</file>
+
+<file path=ppt/slides/slide15.xml><?xml version="1.0" encoding="utf-8"?>
+<p:sld xmlns:a="http://schemas.openxmlformats.org/drawingml/2006/main" xmlns:r="http://schemas.openxmlformats.org/officeDocument/2006/relationships" xmlns:p="http://schemas.openxmlformats.org/presentationml/2006/main">
+  <p:cSld>
+    <p:spTree>
+      <p:nvGrpSpPr>
+        <p:cNvPr id="1" name=""/>
+        <p:cNvGrpSpPr/>
+        <p:nvPr/>
+      </p:nvGrpSpPr>
+      <p:grpSpPr>
+        <a:xfrm>
+          <a:off x="0" y="0"/>
+          <a:ext cx="0" cy="0"/>
+          <a:chOff x="0" y="0"/>
+          <a:chExt cx="0" cy="0"/>
+        </a:xfrm>
+      </p:grpSpPr>
+      <p:sp>
+        <p:nvSpPr>
+          <p:cNvPr id="2" name="Titre 1"/>
+          <p:cNvSpPr>
+            <a:spLocks noGrp="1"/>
+          </p:cNvSpPr>
+          <p:nvPr>
+            <p:ph type="title"/>
+          </p:nvPr>
+        </p:nvSpPr>
+        <p:spPr/>
+        <p:txBody>
+          <a:bodyPr/>
+          <a:lstStyle/>
+          <a:p>
+            <a:endParaRPr lang="en-US" dirty="0"/>
+          </a:p>
+        </p:txBody>
+      </p:sp>
+      <p:pic>
+        <p:nvPicPr>
+          <p:cNvPr id="3" name="Image 2"/>
+          <p:cNvPicPr>
+            <a:picLocks noChangeAspect="1"/>
+          </p:cNvPicPr>
+          <p:nvPr/>
+        </p:nvPicPr>
+        <p:blipFill>
+          <a:blip r:embed="rId2" cstate="print">
+            <a:extLst>
+              <a:ext uri="{28A0092B-C50C-407E-A947-70E740481C1C}">
+                <a14:useLocalDpi xmlns:a14="http://schemas.microsoft.com/office/drawing/2010/main" val="0"/>
+              </a:ext>
+            </a:extLst>
+          </a:blip>
+          <a:stretch>
+            <a:fillRect/>
+          </a:stretch>
+        </p:blipFill>
+        <p:spPr>
+          <a:xfrm>
+            <a:off x="108860" y="2038350"/>
+            <a:ext cx="8926281" cy="3084875"/>
+          </a:xfrm>
+          <a:prstGeom prst="rect">
+            <a:avLst/>
+          </a:prstGeom>
+        </p:spPr>
+      </p:pic>
+    </p:spTree>
+    <p:extLst>
+      <p:ext uri="{BB962C8B-B14F-4D97-AF65-F5344CB8AC3E}">
+        <p14:creationId xmlns:p14="http://schemas.microsoft.com/office/powerpoint/2010/main" val="2965050689"/>
+      </p:ext>
+    </p:extLst>
+  </p:cSld>
+  <p:clrMapOvr>
+    <a:masterClrMapping/>
+  </p:clrMapOvr>
+  <p:timing>
+    <p:tnLst>
+      <p:par>
+        <p:cTn id="1" dur="indefinite" restart="never" nodeType="tmRoot"/>
+      </p:par>
+    </p:tnLst>
+  </p:timing>
+</p:sld>
+</file>
+
+<file path=ppt/slides/slide16.xml><?xml version="1.0" encoding="utf-8"?>
+<p:sld xmlns:a="http://schemas.openxmlformats.org/drawingml/2006/main" xmlns:r="http://schemas.openxmlformats.org/officeDocument/2006/relationships" xmlns:p="http://schemas.openxmlformats.org/presentationml/2006/main">
+  <p:cSld>
+    <p:spTree>
+      <p:nvGrpSpPr>
+        <p:cNvPr id="1" name=""/>
+        <p:cNvGrpSpPr/>
+        <p:nvPr/>
+      </p:nvGrpSpPr>
+      <p:grpSpPr>
+        <a:xfrm>
+          <a:off x="0" y="0"/>
+          <a:ext cx="0" cy="0"/>
+          <a:chOff x="0" y="0"/>
+          <a:chExt cx="0" cy="0"/>
+        </a:xfrm>
+      </p:grpSpPr>
+      <p:sp>
+        <p:nvSpPr>
+          <p:cNvPr id="2" name="Titre 1"/>
+          <p:cNvSpPr>
+            <a:spLocks noGrp="1"/>
+          </p:cNvSpPr>
+          <p:nvPr>
+            <p:ph type="title"/>
+          </p:nvPr>
+        </p:nvSpPr>
+        <p:spPr/>
+        <p:txBody>
+          <a:bodyPr/>
+          <a:lstStyle/>
+          <a:p>
             <a:endParaRPr lang="en-US" dirty="0"/>
           </a:p>
         </p:txBody>
@@ -3258,7 +3780,7 @@
 </p:sld>
 </file>
 
-<file path=ppt/slides/slide11.xml><?xml version="1.0" encoding="utf-8"?>
+<file path=ppt/slides/slide17.xml><?xml version="1.0" encoding="utf-8"?>
 <p:sld xmlns:a="http://schemas.openxmlformats.org/drawingml/2006/main" xmlns:r="http://schemas.openxmlformats.org/officeDocument/2006/relationships" xmlns:p="http://schemas.openxmlformats.org/presentationml/2006/main">
   <p:cSld>
     <p:spTree>
@@ -3344,7 +3866,7 @@
 </p:sld>
 </file>
 
-<file path=ppt/slides/slide12.xml><?xml version="1.0" encoding="utf-8"?>
+<file path=ppt/slides/slide18.xml><?xml version="1.0" encoding="utf-8"?>
 <p:sld xmlns:a="http://schemas.openxmlformats.org/drawingml/2006/main" xmlns:r="http://schemas.openxmlformats.org/officeDocument/2006/relationships" xmlns:p="http://schemas.openxmlformats.org/presentationml/2006/main">
   <p:cSld>
     <p:spTree>
@@ -3430,7 +3952,7 @@
 </p:sld>
 </file>
 
-<file path=ppt/slides/slide13.xml><?xml version="1.0" encoding="utf-8"?>
+<file path=ppt/slides/slide19.xml><?xml version="1.0" encoding="utf-8"?>
 <p:sld xmlns:a="http://schemas.openxmlformats.org/drawingml/2006/main" xmlns:r="http://schemas.openxmlformats.org/officeDocument/2006/relationships" xmlns:p="http://schemas.openxmlformats.org/presentationml/2006/main">
   <p:cSld>
     <p:spTree>
@@ -3516,7 +4038,97 @@
 </p:sld>
 </file>
 
-<file path=ppt/slides/slide14.xml><?xml version="1.0" encoding="utf-8"?>
+<file path=ppt/slides/slide2.xml><?xml version="1.0" encoding="utf-8"?>
+<p:sld xmlns:a="http://schemas.openxmlformats.org/drawingml/2006/main" xmlns:r="http://schemas.openxmlformats.org/officeDocument/2006/relationships" xmlns:p="http://schemas.openxmlformats.org/presentationml/2006/main">
+  <p:cSld>
+    <p:spTree>
+      <p:nvGrpSpPr>
+        <p:cNvPr id="1" name=""/>
+        <p:cNvGrpSpPr/>
+        <p:nvPr/>
+      </p:nvGrpSpPr>
+      <p:grpSpPr>
+        <a:xfrm>
+          <a:off x="0" y="0"/>
+          <a:ext cx="0" cy="0"/>
+          <a:chOff x="0" y="0"/>
+          <a:chExt cx="0" cy="0"/>
+        </a:xfrm>
+      </p:grpSpPr>
+      <p:sp>
+        <p:nvSpPr>
+          <p:cNvPr id="2" name="Titre 1"/>
+          <p:cNvSpPr>
+            <a:spLocks noGrp="1"/>
+          </p:cNvSpPr>
+          <p:nvPr>
+            <p:ph type="title"/>
+          </p:nvPr>
+        </p:nvSpPr>
+        <p:spPr/>
+        <p:txBody>
+          <a:bodyPr/>
+          <a:lstStyle/>
+          <a:p>
+            <a:r>
+              <a:rPr lang="en-US" dirty="0" smtClean="0"/>
+              <a:t>What you have …</a:t>
+            </a:r>
+            <a:endParaRPr lang="en-US" dirty="0"/>
+          </a:p>
+        </p:txBody>
+      </p:sp>
+      <p:pic>
+        <p:nvPicPr>
+          <p:cNvPr id="4" name="Image 3"/>
+          <p:cNvPicPr>
+            <a:picLocks noChangeAspect="1"/>
+          </p:cNvPicPr>
+          <p:nvPr/>
+        </p:nvPicPr>
+        <p:blipFill>
+          <a:blip r:embed="rId2" cstate="print">
+            <a:extLst>
+              <a:ext uri="{28A0092B-C50C-407E-A947-70E740481C1C}">
+                <a14:useLocalDpi xmlns:a14="http://schemas.microsoft.com/office/drawing/2010/main" val="0"/>
+              </a:ext>
+            </a:extLst>
+          </a:blip>
+          <a:stretch>
+            <a:fillRect/>
+          </a:stretch>
+        </p:blipFill>
+        <p:spPr>
+          <a:xfrm>
+            <a:off x="190500" y="1266468"/>
+            <a:ext cx="8763000" cy="3743682"/>
+          </a:xfrm>
+          <a:prstGeom prst="rect">
+            <a:avLst/>
+          </a:prstGeom>
+        </p:spPr>
+      </p:pic>
+    </p:spTree>
+    <p:extLst>
+      <p:ext uri="{BB962C8B-B14F-4D97-AF65-F5344CB8AC3E}">
+        <p14:creationId xmlns:p14="http://schemas.microsoft.com/office/powerpoint/2010/main" val="3816242838"/>
+      </p:ext>
+    </p:extLst>
+  </p:cSld>
+  <p:clrMapOvr>
+    <a:masterClrMapping/>
+  </p:clrMapOvr>
+  <p:timing>
+    <p:tnLst>
+      <p:par>
+        <p:cTn id="1" dur="indefinite" restart="never" nodeType="tmRoot"/>
+      </p:par>
+    </p:tnLst>
+  </p:timing>
+</p:sld>
+</file>
+
+<file path=ppt/slides/slide20.xml><?xml version="1.0" encoding="utf-8"?>
 <p:sld xmlns:a="http://schemas.openxmlformats.org/drawingml/2006/main" xmlns:r="http://schemas.openxmlformats.org/officeDocument/2006/relationships" xmlns:p="http://schemas.openxmlformats.org/presentationml/2006/main">
   <p:cSld>
     <p:spTree>
@@ -3602,7 +4214,7 @@
 </p:sld>
 </file>
 
-<file path=ppt/slides/slide15.xml><?xml version="1.0" encoding="utf-8"?>
+<file path=ppt/slides/slide21.xml><?xml version="1.0" encoding="utf-8"?>
 <p:sld xmlns:a="http://schemas.openxmlformats.org/drawingml/2006/main" xmlns:r="http://schemas.openxmlformats.org/officeDocument/2006/relationships" xmlns:p="http://schemas.openxmlformats.org/presentationml/2006/main">
   <p:cSld>
     <p:spTree>
@@ -3688,7 +4300,7 @@
 </p:sld>
 </file>
 
-<file path=ppt/slides/slide16.xml><?xml version="1.0" encoding="utf-8"?>
+<file path=ppt/slides/slide22.xml><?xml version="1.0" encoding="utf-8"?>
 <p:sld xmlns:a="http://schemas.openxmlformats.org/drawingml/2006/main" xmlns:r="http://schemas.openxmlformats.org/officeDocument/2006/relationships" xmlns:p="http://schemas.openxmlformats.org/presentationml/2006/main">
   <p:cSld>
     <p:spTree>
@@ -3774,7 +4386,515 @@
 </p:sld>
 </file>
 
-<file path=ppt/slides/slide2.xml><?xml version="1.0" encoding="utf-8"?>
+<file path=ppt/slides/slide3.xml><?xml version="1.0" encoding="utf-8"?>
+<p:sld xmlns:a="http://schemas.openxmlformats.org/drawingml/2006/main" xmlns:r="http://schemas.openxmlformats.org/officeDocument/2006/relationships" xmlns:p="http://schemas.openxmlformats.org/presentationml/2006/main">
+  <p:cSld>
+    <p:spTree>
+      <p:nvGrpSpPr>
+        <p:cNvPr id="1" name=""/>
+        <p:cNvGrpSpPr/>
+        <p:nvPr/>
+      </p:nvGrpSpPr>
+      <p:grpSpPr>
+        <a:xfrm>
+          <a:off x="0" y="0"/>
+          <a:ext cx="0" cy="0"/>
+          <a:chOff x="0" y="0"/>
+          <a:chExt cx="0" cy="0"/>
+        </a:xfrm>
+      </p:grpSpPr>
+      <p:sp>
+        <p:nvSpPr>
+          <p:cNvPr id="2" name="Titre 1"/>
+          <p:cNvSpPr>
+            <a:spLocks noGrp="1"/>
+          </p:cNvSpPr>
+          <p:nvPr>
+            <p:ph type="title"/>
+          </p:nvPr>
+        </p:nvSpPr>
+        <p:spPr/>
+        <p:txBody>
+          <a:bodyPr/>
+          <a:lstStyle/>
+          <a:p>
+            <a:r>
+              <a:rPr lang="en-US" dirty="0" smtClean="0"/>
+              <a:t>What you want …</a:t>
+            </a:r>
+            <a:endParaRPr lang="en-US" dirty="0"/>
+          </a:p>
+        </p:txBody>
+      </p:sp>
+      <p:pic>
+        <p:nvPicPr>
+          <p:cNvPr id="5" name="Image 4"/>
+          <p:cNvPicPr>
+            <a:picLocks noChangeAspect="1"/>
+          </p:cNvPicPr>
+          <p:nvPr/>
+        </p:nvPicPr>
+        <p:blipFill>
+          <a:blip r:embed="rId2" cstate="print">
+            <a:extLst>
+              <a:ext uri="{28A0092B-C50C-407E-A947-70E740481C1C}">
+                <a14:useLocalDpi xmlns:a14="http://schemas.microsoft.com/office/drawing/2010/main" val="0"/>
+              </a:ext>
+            </a:extLst>
+          </a:blip>
+          <a:stretch>
+            <a:fillRect/>
+          </a:stretch>
+        </p:blipFill>
+        <p:spPr>
+          <a:xfrm>
+            <a:off x="628650" y="1131069"/>
+            <a:ext cx="7886700" cy="3955280"/>
+          </a:xfrm>
+          <a:prstGeom prst="rect">
+            <a:avLst/>
+          </a:prstGeom>
+        </p:spPr>
+      </p:pic>
+    </p:spTree>
+    <p:extLst>
+      <p:ext uri="{BB962C8B-B14F-4D97-AF65-F5344CB8AC3E}">
+        <p14:creationId xmlns:p14="http://schemas.microsoft.com/office/powerpoint/2010/main" val="1899447443"/>
+      </p:ext>
+    </p:extLst>
+  </p:cSld>
+  <p:clrMapOvr>
+    <a:masterClrMapping/>
+  </p:clrMapOvr>
+  <p:timing>
+    <p:tnLst>
+      <p:par>
+        <p:cTn id="1" dur="indefinite" restart="never" nodeType="tmRoot"/>
+      </p:par>
+    </p:tnLst>
+  </p:timing>
+</p:sld>
+</file>
+
+<file path=ppt/slides/slide4.xml><?xml version="1.0" encoding="utf-8"?>
+<p:sld xmlns:a="http://schemas.openxmlformats.org/drawingml/2006/main" xmlns:r="http://schemas.openxmlformats.org/officeDocument/2006/relationships" xmlns:p="http://schemas.openxmlformats.org/presentationml/2006/main">
+  <p:cSld>
+    <p:spTree>
+      <p:nvGrpSpPr>
+        <p:cNvPr id="1" name=""/>
+        <p:cNvGrpSpPr/>
+        <p:nvPr/>
+      </p:nvGrpSpPr>
+      <p:grpSpPr>
+        <a:xfrm>
+          <a:off x="0" y="0"/>
+          <a:ext cx="0" cy="0"/>
+          <a:chOff x="0" y="0"/>
+          <a:chExt cx="0" cy="0"/>
+        </a:xfrm>
+      </p:grpSpPr>
+      <p:sp>
+        <p:nvSpPr>
+          <p:cNvPr id="2" name="Titre 1"/>
+          <p:cNvSpPr>
+            <a:spLocks noGrp="1"/>
+          </p:cNvSpPr>
+          <p:nvPr>
+            <p:ph type="title"/>
+          </p:nvPr>
+        </p:nvSpPr>
+        <p:spPr/>
+        <p:txBody>
+          <a:bodyPr/>
+          <a:lstStyle/>
+          <a:p>
+            <a:r>
+              <a:rPr lang="en-US" dirty="0" smtClean="0"/>
+              <a:t>You are in trouble …</a:t>
+            </a:r>
+            <a:endParaRPr lang="en-US" dirty="0"/>
+          </a:p>
+        </p:txBody>
+      </p:sp>
+      <p:pic>
+        <p:nvPicPr>
+          <p:cNvPr id="4" name="Image 3"/>
+          <p:cNvPicPr>
+            <a:picLocks noChangeAspect="1"/>
+          </p:cNvPicPr>
+          <p:nvPr/>
+        </p:nvPicPr>
+        <p:blipFill>
+          <a:blip r:embed="rId2" cstate="print">
+            <a:extLst>
+              <a:ext uri="{28A0092B-C50C-407E-A947-70E740481C1C}">
+                <a14:useLocalDpi xmlns:a14="http://schemas.microsoft.com/office/drawing/2010/main" val="0"/>
+              </a:ext>
+            </a:extLst>
+          </a:blip>
+          <a:stretch>
+            <a:fillRect/>
+          </a:stretch>
+        </p:blipFill>
+        <p:spPr>
+          <a:xfrm>
+            <a:off x="114300" y="1276350"/>
+            <a:ext cx="8915400" cy="3566766"/>
+          </a:xfrm>
+          <a:prstGeom prst="rect">
+            <a:avLst/>
+          </a:prstGeom>
+        </p:spPr>
+      </p:pic>
+    </p:spTree>
+    <p:extLst>
+      <p:ext uri="{BB962C8B-B14F-4D97-AF65-F5344CB8AC3E}">
+        <p14:creationId xmlns:p14="http://schemas.microsoft.com/office/powerpoint/2010/main" val="2328596119"/>
+      </p:ext>
+    </p:extLst>
+  </p:cSld>
+  <p:clrMapOvr>
+    <a:masterClrMapping/>
+  </p:clrMapOvr>
+  <p:timing>
+    <p:tnLst>
+      <p:par>
+        <p:cTn id="1" dur="indefinite" restart="never" nodeType="tmRoot"/>
+      </p:par>
+    </p:tnLst>
+  </p:timing>
+</p:sld>
+</file>
+
+<file path=ppt/slides/slide5.xml><?xml version="1.0" encoding="utf-8"?>
+<p:sld xmlns:a="http://schemas.openxmlformats.org/drawingml/2006/main" xmlns:r="http://schemas.openxmlformats.org/officeDocument/2006/relationships" xmlns:p="http://schemas.openxmlformats.org/presentationml/2006/main">
+  <p:cSld>
+    <p:spTree>
+      <p:nvGrpSpPr>
+        <p:cNvPr id="1" name=""/>
+        <p:cNvGrpSpPr/>
+        <p:nvPr/>
+      </p:nvGrpSpPr>
+      <p:grpSpPr>
+        <a:xfrm>
+          <a:off x="0" y="0"/>
+          <a:ext cx="0" cy="0"/>
+          <a:chOff x="0" y="0"/>
+          <a:chExt cx="0" cy="0"/>
+        </a:xfrm>
+      </p:grpSpPr>
+      <p:sp>
+        <p:nvSpPr>
+          <p:cNvPr id="2" name="Titre 1"/>
+          <p:cNvSpPr>
+            <a:spLocks noGrp="1"/>
+          </p:cNvSpPr>
+          <p:nvPr>
+            <p:ph type="title"/>
+          </p:nvPr>
+        </p:nvSpPr>
+        <p:spPr/>
+        <p:txBody>
+          <a:bodyPr/>
+          <a:lstStyle/>
+          <a:p>
+            <a:r>
+              <a:rPr lang="en-US" dirty="0" smtClean="0"/>
+              <a:t>Front App</a:t>
+            </a:r>
+            <a:endParaRPr lang="en-US" dirty="0"/>
+          </a:p>
+        </p:txBody>
+      </p:sp>
+      <p:pic>
+        <p:nvPicPr>
+          <p:cNvPr id="7" name="Image 6"/>
+          <p:cNvPicPr>
+            <a:picLocks noChangeAspect="1"/>
+          </p:cNvPicPr>
+          <p:nvPr/>
+        </p:nvPicPr>
+        <p:blipFill>
+          <a:blip r:embed="rId2" cstate="print">
+            <a:extLst>
+              <a:ext uri="{28A0092B-C50C-407E-A947-70E740481C1C}">
+                <a14:useLocalDpi xmlns:a14="http://schemas.microsoft.com/office/drawing/2010/main" val="0"/>
+              </a:ext>
+            </a:extLst>
+          </a:blip>
+          <a:stretch>
+            <a:fillRect/>
+          </a:stretch>
+        </p:blipFill>
+        <p:spPr>
+          <a:xfrm>
+            <a:off x="343807" y="1200150"/>
+            <a:ext cx="3580795" cy="3777556"/>
+          </a:xfrm>
+          <a:prstGeom prst="rect">
+            <a:avLst/>
+          </a:prstGeom>
+        </p:spPr>
+      </p:pic>
+      <p:sp>
+        <p:nvSpPr>
+          <p:cNvPr id="8" name="ZoneTexte 7"/>
+          <p:cNvSpPr txBox="1"/>
+          <p:nvPr/>
+        </p:nvSpPr>
+        <p:spPr>
+          <a:xfrm>
+            <a:off x="4572000" y="1200150"/>
+            <a:ext cx="4267200" cy="2308324"/>
+          </a:xfrm>
+          <a:prstGeom prst="rect">
+            <a:avLst/>
+          </a:prstGeom>
+          <a:noFill/>
+        </p:spPr>
+        <p:txBody>
+          <a:bodyPr wrap="square" rtlCol="0">
+            <a:spAutoFit/>
+          </a:bodyPr>
+          <a:lstStyle/>
+          <a:p>
+            <a:pPr marL="285750" indent="-285750">
+              <a:buFont typeface="Wingdings" panose="05000000000000000000" pitchFamily="2" charset="2"/>
+              <a:buChar char="§"/>
+            </a:pPr>
+            <a:r>
+              <a:rPr lang="en-US" dirty="0" smtClean="0"/>
+              <a:t>Your domain model is cloned using two different language</a:t>
+            </a:r>
+          </a:p>
+          <a:p>
+            <a:pPr marL="285750" indent="-285750">
+              <a:buFont typeface="Wingdings" panose="05000000000000000000" pitchFamily="2" charset="2"/>
+              <a:buChar char="§"/>
+            </a:pPr>
+            <a:r>
+              <a:rPr lang="en-US" dirty="0" smtClean="0"/>
+              <a:t>Governance of the domain model and change request are </a:t>
+            </a:r>
+            <a:r>
+              <a:rPr lang="en-US" dirty="0" err="1" smtClean="0"/>
+              <a:t>difficults</a:t>
+            </a:r>
+            <a:r>
+              <a:rPr lang="en-US" dirty="0" smtClean="0"/>
+              <a:t> to implements</a:t>
+            </a:r>
+          </a:p>
+          <a:p>
+            <a:pPr marL="285750" indent="-285750">
+              <a:buFont typeface="Wingdings" panose="05000000000000000000" pitchFamily="2" charset="2"/>
+              <a:buChar char="§"/>
+            </a:pPr>
+            <a:r>
+              <a:rPr lang="en-US" dirty="0" smtClean="0"/>
+              <a:t>Development owners of the server and JavaScript application are different</a:t>
+            </a:r>
+          </a:p>
+          <a:p>
+            <a:pPr marL="285750" indent="-285750">
+              <a:buFont typeface="Wingdings" panose="05000000000000000000" pitchFamily="2" charset="2"/>
+              <a:buChar char="§"/>
+            </a:pPr>
+            <a:r>
+              <a:rPr lang="en-US" dirty="0"/>
+              <a:t>UI </a:t>
+            </a:r>
+            <a:r>
+              <a:rPr lang="en-US"/>
+              <a:t>Spaghetti </a:t>
+            </a:r>
+            <a:r>
+              <a:rPr lang="en-US" smtClean="0"/>
+              <a:t>code</a:t>
+            </a:r>
+          </a:p>
+        </p:txBody>
+      </p:sp>
+    </p:spTree>
+    <p:extLst>
+      <p:ext uri="{BB962C8B-B14F-4D97-AF65-F5344CB8AC3E}">
+        <p14:creationId xmlns:p14="http://schemas.microsoft.com/office/powerpoint/2010/main" val="475013966"/>
+      </p:ext>
+    </p:extLst>
+  </p:cSld>
+  <p:clrMapOvr>
+    <a:masterClrMapping/>
+  </p:clrMapOvr>
+</p:sld>
+</file>
+
+<file path=ppt/slides/slide6.xml><?xml version="1.0" encoding="utf-8"?>
+<p:sld xmlns:a="http://schemas.openxmlformats.org/drawingml/2006/main" xmlns:r="http://schemas.openxmlformats.org/officeDocument/2006/relationships" xmlns:p="http://schemas.openxmlformats.org/presentationml/2006/main">
+  <p:cSld>
+    <p:spTree>
+      <p:nvGrpSpPr>
+        <p:cNvPr id="1" name=""/>
+        <p:cNvGrpSpPr/>
+        <p:nvPr/>
+      </p:nvGrpSpPr>
+      <p:grpSpPr>
+        <a:xfrm>
+          <a:off x="0" y="0"/>
+          <a:ext cx="0" cy="0"/>
+          <a:chOff x="0" y="0"/>
+          <a:chExt cx="0" cy="0"/>
+        </a:xfrm>
+      </p:grpSpPr>
+      <p:sp>
+        <p:nvSpPr>
+          <p:cNvPr id="2" name="Titre 1"/>
+          <p:cNvSpPr>
+            <a:spLocks noGrp="1"/>
+          </p:cNvSpPr>
+          <p:nvPr>
+            <p:ph type="title"/>
+          </p:nvPr>
+        </p:nvSpPr>
+        <p:spPr/>
+        <p:txBody>
+          <a:bodyPr/>
+          <a:lstStyle/>
+          <a:p>
+            <a:r>
+              <a:rPr lang="en-US" dirty="0" smtClean="0"/>
+              <a:t>Front Storage</a:t>
+            </a:r>
+            <a:endParaRPr lang="en-US" dirty="0"/>
+          </a:p>
+        </p:txBody>
+      </p:sp>
+      <p:pic>
+        <p:nvPicPr>
+          <p:cNvPr id="4" name="Image 3"/>
+          <p:cNvPicPr>
+            <a:picLocks noChangeAspect="1"/>
+          </p:cNvPicPr>
+          <p:nvPr/>
+        </p:nvPicPr>
+        <p:blipFill>
+          <a:blip r:embed="rId2" cstate="print">
+            <a:extLst>
+              <a:ext uri="{28A0092B-C50C-407E-A947-70E740481C1C}">
+                <a14:useLocalDpi xmlns:a14="http://schemas.microsoft.com/office/drawing/2010/main" val="0"/>
+              </a:ext>
+            </a:extLst>
+          </a:blip>
+          <a:stretch>
+            <a:fillRect/>
+          </a:stretch>
+        </p:blipFill>
+        <p:spPr>
+          <a:xfrm>
+            <a:off x="228600" y="1123950"/>
+            <a:ext cx="3821328" cy="3925772"/>
+          </a:xfrm>
+          <a:prstGeom prst="rect">
+            <a:avLst/>
+          </a:prstGeom>
+        </p:spPr>
+      </p:pic>
+    </p:spTree>
+    <p:extLst>
+      <p:ext uri="{BB962C8B-B14F-4D97-AF65-F5344CB8AC3E}">
+        <p14:creationId xmlns:p14="http://schemas.microsoft.com/office/powerpoint/2010/main" val="1149519603"/>
+      </p:ext>
+    </p:extLst>
+  </p:cSld>
+  <p:clrMapOvr>
+    <a:masterClrMapping/>
+  </p:clrMapOvr>
+</p:sld>
+</file>
+
+<file path=ppt/slides/slide7.xml><?xml version="1.0" encoding="utf-8"?>
+<p:sld xmlns:a="http://schemas.openxmlformats.org/drawingml/2006/main" xmlns:r="http://schemas.openxmlformats.org/officeDocument/2006/relationships" xmlns:p="http://schemas.openxmlformats.org/presentationml/2006/main">
+  <p:cSld>
+    <p:spTree>
+      <p:nvGrpSpPr>
+        <p:cNvPr id="1" name=""/>
+        <p:cNvGrpSpPr/>
+        <p:nvPr/>
+      </p:nvGrpSpPr>
+      <p:grpSpPr>
+        <a:xfrm>
+          <a:off x="0" y="0"/>
+          <a:ext cx="0" cy="0"/>
+          <a:chOff x="0" y="0"/>
+          <a:chExt cx="0" cy="0"/>
+        </a:xfrm>
+      </p:grpSpPr>
+      <p:sp>
+        <p:nvSpPr>
+          <p:cNvPr id="2" name="Titre 1"/>
+          <p:cNvSpPr>
+            <a:spLocks noGrp="1"/>
+          </p:cNvSpPr>
+          <p:nvPr>
+            <p:ph type="title"/>
+          </p:nvPr>
+        </p:nvSpPr>
+        <p:spPr/>
+        <p:txBody>
+          <a:bodyPr/>
+          <a:lstStyle/>
+          <a:p>
+            <a:r>
+              <a:rPr lang="en-US" dirty="0" smtClean="0"/>
+              <a:t>BackOffice</a:t>
+            </a:r>
+            <a:endParaRPr lang="en-US" dirty="0"/>
+          </a:p>
+        </p:txBody>
+      </p:sp>
+      <p:pic>
+        <p:nvPicPr>
+          <p:cNvPr id="4" name="Image 3"/>
+          <p:cNvPicPr>
+            <a:picLocks noChangeAspect="1"/>
+          </p:cNvPicPr>
+          <p:nvPr/>
+        </p:nvPicPr>
+        <p:blipFill>
+          <a:blip r:embed="rId2" cstate="print">
+            <a:extLst>
+              <a:ext uri="{28A0092B-C50C-407E-A947-70E740481C1C}">
+                <a14:useLocalDpi xmlns:a14="http://schemas.microsoft.com/office/drawing/2010/main" val="0"/>
+              </a:ext>
+            </a:extLst>
+          </a:blip>
+          <a:stretch>
+            <a:fillRect/>
+          </a:stretch>
+        </p:blipFill>
+        <p:spPr>
+          <a:xfrm>
+            <a:off x="152400" y="1256874"/>
+            <a:ext cx="5166222" cy="3677076"/>
+          </a:xfrm>
+          <a:prstGeom prst="rect">
+            <a:avLst/>
+          </a:prstGeom>
+        </p:spPr>
+      </p:pic>
+    </p:spTree>
+    <p:extLst>
+      <p:ext uri="{BB962C8B-B14F-4D97-AF65-F5344CB8AC3E}">
+        <p14:creationId xmlns:p14="http://schemas.microsoft.com/office/powerpoint/2010/main" val="1861523463"/>
+      </p:ext>
+    </p:extLst>
+  </p:cSld>
+  <p:clrMapOvr>
+    <a:masterClrMapping/>
+  </p:clrMapOvr>
+</p:sld>
+</file>
+
+<file path=ppt/slides/slide8.xml><?xml version="1.0" encoding="utf-8"?>
 <p:sld xmlns:a="http://schemas.openxmlformats.org/drawingml/2006/main" xmlns:r="http://schemas.openxmlformats.org/officeDocument/2006/relationships" xmlns:p="http://schemas.openxmlformats.org/presentationml/2006/main">
   <p:cSld>
     <p:spTree>
@@ -3860,7 +4980,7 @@
 </p:sld>
 </file>
 
-<file path=ppt/slides/slide3.xml><?xml version="1.0" encoding="utf-8"?>
+<file path=ppt/slides/slide9.xml><?xml version="1.0" encoding="utf-8"?>
 <p:sld xmlns:a="http://schemas.openxmlformats.org/drawingml/2006/main" xmlns:r="http://schemas.openxmlformats.org/officeDocument/2006/relationships" xmlns:p="http://schemas.openxmlformats.org/presentationml/2006/main">
   <p:cSld>
     <p:spTree>
@@ -3930,522 +5050,6 @@
     <p:extLst>
       <p:ext uri="{BB962C8B-B14F-4D97-AF65-F5344CB8AC3E}">
         <p14:creationId xmlns:p14="http://schemas.microsoft.com/office/powerpoint/2010/main" val="2978195981"/>
-      </p:ext>
-    </p:extLst>
-  </p:cSld>
-  <p:clrMapOvr>
-    <a:masterClrMapping/>
-  </p:clrMapOvr>
-  <p:timing>
-    <p:tnLst>
-      <p:par>
-        <p:cTn id="1" dur="indefinite" restart="never" nodeType="tmRoot"/>
-      </p:par>
-    </p:tnLst>
-  </p:timing>
-</p:sld>
-</file>
-
-<file path=ppt/slides/slide4.xml><?xml version="1.0" encoding="utf-8"?>
-<p:sld xmlns:a="http://schemas.openxmlformats.org/drawingml/2006/main" xmlns:r="http://schemas.openxmlformats.org/officeDocument/2006/relationships" xmlns:p="http://schemas.openxmlformats.org/presentationml/2006/main">
-  <p:cSld>
-    <p:spTree>
-      <p:nvGrpSpPr>
-        <p:cNvPr id="1" name=""/>
-        <p:cNvGrpSpPr/>
-        <p:nvPr/>
-      </p:nvGrpSpPr>
-      <p:grpSpPr>
-        <a:xfrm>
-          <a:off x="0" y="0"/>
-          <a:ext cx="0" cy="0"/>
-          <a:chOff x="0" y="0"/>
-          <a:chExt cx="0" cy="0"/>
-        </a:xfrm>
-      </p:grpSpPr>
-      <p:sp>
-        <p:nvSpPr>
-          <p:cNvPr id="2" name="Titre 1"/>
-          <p:cNvSpPr>
-            <a:spLocks noGrp="1"/>
-          </p:cNvSpPr>
-          <p:nvPr>
-            <p:ph type="title"/>
-          </p:nvPr>
-        </p:nvSpPr>
-        <p:spPr/>
-        <p:txBody>
-          <a:bodyPr/>
-          <a:lstStyle/>
-          <a:p>
-            <a:endParaRPr lang="en-US"/>
-          </a:p>
-        </p:txBody>
-      </p:sp>
-      <p:pic>
-        <p:nvPicPr>
-          <p:cNvPr id="5" name="Image 4"/>
-          <p:cNvPicPr>
-            <a:picLocks noChangeAspect="1"/>
-          </p:cNvPicPr>
-          <p:nvPr/>
-        </p:nvPicPr>
-        <p:blipFill>
-          <a:blip r:embed="rId2" cstate="print">
-            <a:extLst>
-              <a:ext uri="{28A0092B-C50C-407E-A947-70E740481C1C}">
-                <a14:useLocalDpi xmlns:a14="http://schemas.microsoft.com/office/drawing/2010/main" val="0"/>
-              </a:ext>
-            </a:extLst>
-          </a:blip>
-          <a:stretch>
-            <a:fillRect/>
-          </a:stretch>
-        </p:blipFill>
-        <p:spPr>
-          <a:xfrm>
-            <a:off x="133356" y="2038350"/>
-            <a:ext cx="8877288" cy="3084875"/>
-          </a:xfrm>
-          <a:prstGeom prst="rect">
-            <a:avLst/>
-          </a:prstGeom>
-        </p:spPr>
-      </p:pic>
-    </p:spTree>
-    <p:extLst>
-      <p:ext uri="{BB962C8B-B14F-4D97-AF65-F5344CB8AC3E}">
-        <p14:creationId xmlns:p14="http://schemas.microsoft.com/office/powerpoint/2010/main" val="3978634020"/>
-      </p:ext>
-    </p:extLst>
-  </p:cSld>
-  <p:clrMapOvr>
-    <a:masterClrMapping/>
-  </p:clrMapOvr>
-  <p:timing>
-    <p:tnLst>
-      <p:par>
-        <p:cTn id="1" dur="indefinite" restart="never" nodeType="tmRoot"/>
-      </p:par>
-    </p:tnLst>
-  </p:timing>
-</p:sld>
-</file>
-
-<file path=ppt/slides/slide5.xml><?xml version="1.0" encoding="utf-8"?>
-<p:sld xmlns:a="http://schemas.openxmlformats.org/drawingml/2006/main" xmlns:r="http://schemas.openxmlformats.org/officeDocument/2006/relationships" xmlns:p="http://schemas.openxmlformats.org/presentationml/2006/main">
-  <p:cSld>
-    <p:spTree>
-      <p:nvGrpSpPr>
-        <p:cNvPr id="1" name=""/>
-        <p:cNvGrpSpPr/>
-        <p:nvPr/>
-      </p:nvGrpSpPr>
-      <p:grpSpPr>
-        <a:xfrm>
-          <a:off x="0" y="0"/>
-          <a:ext cx="0" cy="0"/>
-          <a:chOff x="0" y="0"/>
-          <a:chExt cx="0" cy="0"/>
-        </a:xfrm>
-      </p:grpSpPr>
-      <p:sp>
-        <p:nvSpPr>
-          <p:cNvPr id="2" name="Titre 1"/>
-          <p:cNvSpPr>
-            <a:spLocks noGrp="1"/>
-          </p:cNvSpPr>
-          <p:nvPr>
-            <p:ph type="title"/>
-          </p:nvPr>
-        </p:nvSpPr>
-        <p:spPr/>
-        <p:txBody>
-          <a:bodyPr/>
-          <a:lstStyle/>
-          <a:p>
-            <a:endParaRPr lang="en-US" dirty="0"/>
-          </a:p>
-        </p:txBody>
-      </p:sp>
-      <p:pic>
-        <p:nvPicPr>
-          <p:cNvPr id="4" name="Image 3"/>
-          <p:cNvPicPr>
-            <a:picLocks noChangeAspect="1"/>
-          </p:cNvPicPr>
-          <p:nvPr/>
-        </p:nvPicPr>
-        <p:blipFill>
-          <a:blip r:embed="rId2" cstate="print">
-            <a:extLst>
-              <a:ext uri="{28A0092B-C50C-407E-A947-70E740481C1C}">
-                <a14:useLocalDpi xmlns:a14="http://schemas.microsoft.com/office/drawing/2010/main" val="0"/>
-              </a:ext>
-            </a:extLst>
-          </a:blip>
-          <a:stretch>
-            <a:fillRect/>
-          </a:stretch>
-        </p:blipFill>
-        <p:spPr>
-          <a:xfrm>
-            <a:off x="133356" y="2038350"/>
-            <a:ext cx="8877288" cy="3084875"/>
-          </a:xfrm>
-          <a:prstGeom prst="rect">
-            <a:avLst/>
-          </a:prstGeom>
-        </p:spPr>
-      </p:pic>
-    </p:spTree>
-    <p:extLst>
-      <p:ext uri="{BB962C8B-B14F-4D97-AF65-F5344CB8AC3E}">
-        <p14:creationId xmlns:p14="http://schemas.microsoft.com/office/powerpoint/2010/main" val="1911978848"/>
-      </p:ext>
-    </p:extLst>
-  </p:cSld>
-  <p:clrMapOvr>
-    <a:masterClrMapping/>
-  </p:clrMapOvr>
-  <p:timing>
-    <p:tnLst>
-      <p:par>
-        <p:cTn id="1" dur="indefinite" restart="never" nodeType="tmRoot"/>
-      </p:par>
-    </p:tnLst>
-  </p:timing>
-</p:sld>
-</file>
-
-<file path=ppt/slides/slide6.xml><?xml version="1.0" encoding="utf-8"?>
-<p:sld xmlns:a="http://schemas.openxmlformats.org/drawingml/2006/main" xmlns:r="http://schemas.openxmlformats.org/officeDocument/2006/relationships" xmlns:p="http://schemas.openxmlformats.org/presentationml/2006/main">
-  <p:cSld>
-    <p:spTree>
-      <p:nvGrpSpPr>
-        <p:cNvPr id="1" name=""/>
-        <p:cNvGrpSpPr/>
-        <p:nvPr/>
-      </p:nvGrpSpPr>
-      <p:grpSpPr>
-        <a:xfrm>
-          <a:off x="0" y="0"/>
-          <a:ext cx="0" cy="0"/>
-          <a:chOff x="0" y="0"/>
-          <a:chExt cx="0" cy="0"/>
-        </a:xfrm>
-      </p:grpSpPr>
-      <p:sp>
-        <p:nvSpPr>
-          <p:cNvPr id="2" name="Titre 1"/>
-          <p:cNvSpPr>
-            <a:spLocks noGrp="1"/>
-          </p:cNvSpPr>
-          <p:nvPr>
-            <p:ph type="title"/>
-          </p:nvPr>
-        </p:nvSpPr>
-        <p:spPr/>
-        <p:txBody>
-          <a:bodyPr/>
-          <a:lstStyle/>
-          <a:p>
-            <a:endParaRPr lang="en-US" dirty="0"/>
-          </a:p>
-        </p:txBody>
-      </p:sp>
-      <p:pic>
-        <p:nvPicPr>
-          <p:cNvPr id="3" name="Image 2"/>
-          <p:cNvPicPr>
-            <a:picLocks noChangeAspect="1"/>
-          </p:cNvPicPr>
-          <p:nvPr/>
-        </p:nvPicPr>
-        <p:blipFill>
-          <a:blip r:embed="rId2" cstate="print">
-            <a:extLst>
-              <a:ext uri="{28A0092B-C50C-407E-A947-70E740481C1C}">
-                <a14:useLocalDpi xmlns:a14="http://schemas.microsoft.com/office/drawing/2010/main" val="0"/>
-              </a:ext>
-            </a:extLst>
-          </a:blip>
-          <a:stretch>
-            <a:fillRect/>
-          </a:stretch>
-        </p:blipFill>
-        <p:spPr>
-          <a:xfrm>
-            <a:off x="133356" y="2038350"/>
-            <a:ext cx="8877288" cy="3084875"/>
-          </a:xfrm>
-          <a:prstGeom prst="rect">
-            <a:avLst/>
-          </a:prstGeom>
-        </p:spPr>
-      </p:pic>
-    </p:spTree>
-    <p:extLst>
-      <p:ext uri="{BB962C8B-B14F-4D97-AF65-F5344CB8AC3E}">
-        <p14:creationId xmlns:p14="http://schemas.microsoft.com/office/powerpoint/2010/main" val="2965050689"/>
-      </p:ext>
-    </p:extLst>
-  </p:cSld>
-  <p:clrMapOvr>
-    <a:masterClrMapping/>
-  </p:clrMapOvr>
-  <p:timing>
-    <p:tnLst>
-      <p:par>
-        <p:cTn id="1" dur="indefinite" restart="never" nodeType="tmRoot"/>
-      </p:par>
-    </p:tnLst>
-  </p:timing>
-</p:sld>
-</file>
-
-<file path=ppt/slides/slide7.xml><?xml version="1.0" encoding="utf-8"?>
-<p:sld xmlns:a="http://schemas.openxmlformats.org/drawingml/2006/main" xmlns:r="http://schemas.openxmlformats.org/officeDocument/2006/relationships" xmlns:p="http://schemas.openxmlformats.org/presentationml/2006/main">
-  <p:cSld>
-    <p:spTree>
-      <p:nvGrpSpPr>
-        <p:cNvPr id="1" name=""/>
-        <p:cNvGrpSpPr/>
-        <p:nvPr/>
-      </p:nvGrpSpPr>
-      <p:grpSpPr>
-        <a:xfrm>
-          <a:off x="0" y="0"/>
-          <a:ext cx="0" cy="0"/>
-          <a:chOff x="0" y="0"/>
-          <a:chExt cx="0" cy="0"/>
-        </a:xfrm>
-      </p:grpSpPr>
-      <p:sp>
-        <p:nvSpPr>
-          <p:cNvPr id="2" name="Titre 1"/>
-          <p:cNvSpPr>
-            <a:spLocks noGrp="1"/>
-          </p:cNvSpPr>
-          <p:nvPr>
-            <p:ph type="title"/>
-          </p:nvPr>
-        </p:nvSpPr>
-        <p:spPr/>
-        <p:txBody>
-          <a:bodyPr/>
-          <a:lstStyle/>
-          <a:p>
-            <a:endParaRPr lang="en-US" dirty="0"/>
-          </a:p>
-        </p:txBody>
-      </p:sp>
-      <p:pic>
-        <p:nvPicPr>
-          <p:cNvPr id="3" name="Image 2"/>
-          <p:cNvPicPr>
-            <a:picLocks noChangeAspect="1"/>
-          </p:cNvPicPr>
-          <p:nvPr/>
-        </p:nvPicPr>
-        <p:blipFill>
-          <a:blip r:embed="rId2" cstate="print">
-            <a:extLst>
-              <a:ext uri="{28A0092B-C50C-407E-A947-70E740481C1C}">
-                <a14:useLocalDpi xmlns:a14="http://schemas.microsoft.com/office/drawing/2010/main" val="0"/>
-              </a:ext>
-            </a:extLst>
-          </a:blip>
-          <a:stretch>
-            <a:fillRect/>
-          </a:stretch>
-        </p:blipFill>
-        <p:spPr>
-          <a:xfrm>
-            <a:off x="133356" y="2038350"/>
-            <a:ext cx="8877288" cy="3084875"/>
-          </a:xfrm>
-          <a:prstGeom prst="rect">
-            <a:avLst/>
-          </a:prstGeom>
-        </p:spPr>
-      </p:pic>
-    </p:spTree>
-    <p:extLst>
-      <p:ext uri="{BB962C8B-B14F-4D97-AF65-F5344CB8AC3E}">
-        <p14:creationId xmlns:p14="http://schemas.microsoft.com/office/powerpoint/2010/main" val="2965050689"/>
-      </p:ext>
-    </p:extLst>
-  </p:cSld>
-  <p:clrMapOvr>
-    <a:masterClrMapping/>
-  </p:clrMapOvr>
-  <p:timing>
-    <p:tnLst>
-      <p:par>
-        <p:cTn id="1" dur="indefinite" restart="never" nodeType="tmRoot"/>
-      </p:par>
-    </p:tnLst>
-  </p:timing>
-</p:sld>
-</file>
-
-<file path=ppt/slides/slide8.xml><?xml version="1.0" encoding="utf-8"?>
-<p:sld xmlns:a="http://schemas.openxmlformats.org/drawingml/2006/main" xmlns:r="http://schemas.openxmlformats.org/officeDocument/2006/relationships" xmlns:p="http://schemas.openxmlformats.org/presentationml/2006/main">
-  <p:cSld>
-    <p:spTree>
-      <p:nvGrpSpPr>
-        <p:cNvPr id="1" name=""/>
-        <p:cNvGrpSpPr/>
-        <p:nvPr/>
-      </p:nvGrpSpPr>
-      <p:grpSpPr>
-        <a:xfrm>
-          <a:off x="0" y="0"/>
-          <a:ext cx="0" cy="0"/>
-          <a:chOff x="0" y="0"/>
-          <a:chExt cx="0" cy="0"/>
-        </a:xfrm>
-      </p:grpSpPr>
-      <p:sp>
-        <p:nvSpPr>
-          <p:cNvPr id="2" name="Titre 1"/>
-          <p:cNvSpPr>
-            <a:spLocks noGrp="1"/>
-          </p:cNvSpPr>
-          <p:nvPr>
-            <p:ph type="title"/>
-          </p:nvPr>
-        </p:nvSpPr>
-        <p:spPr/>
-        <p:txBody>
-          <a:bodyPr/>
-          <a:lstStyle/>
-          <a:p>
-            <a:endParaRPr lang="en-US" dirty="0"/>
-          </a:p>
-        </p:txBody>
-      </p:sp>
-      <p:pic>
-        <p:nvPicPr>
-          <p:cNvPr id="3" name="Image 2"/>
-          <p:cNvPicPr>
-            <a:picLocks noChangeAspect="1"/>
-          </p:cNvPicPr>
-          <p:nvPr/>
-        </p:nvPicPr>
-        <p:blipFill>
-          <a:blip r:embed="rId2" cstate="print">
-            <a:extLst>
-              <a:ext uri="{28A0092B-C50C-407E-A947-70E740481C1C}">
-                <a14:useLocalDpi xmlns:a14="http://schemas.microsoft.com/office/drawing/2010/main" val="0"/>
-              </a:ext>
-            </a:extLst>
-          </a:blip>
-          <a:stretch>
-            <a:fillRect/>
-          </a:stretch>
-        </p:blipFill>
-        <p:spPr>
-          <a:xfrm>
-            <a:off x="108860" y="2038350"/>
-            <a:ext cx="8926281" cy="3084875"/>
-          </a:xfrm>
-          <a:prstGeom prst="rect">
-            <a:avLst/>
-          </a:prstGeom>
-        </p:spPr>
-      </p:pic>
-    </p:spTree>
-    <p:extLst>
-      <p:ext uri="{BB962C8B-B14F-4D97-AF65-F5344CB8AC3E}">
-        <p14:creationId xmlns:p14="http://schemas.microsoft.com/office/powerpoint/2010/main" val="2965050689"/>
-      </p:ext>
-    </p:extLst>
-  </p:cSld>
-  <p:clrMapOvr>
-    <a:masterClrMapping/>
-  </p:clrMapOvr>
-  <p:timing>
-    <p:tnLst>
-      <p:par>
-        <p:cTn id="1" dur="indefinite" restart="never" nodeType="tmRoot"/>
-      </p:par>
-    </p:tnLst>
-  </p:timing>
-</p:sld>
-</file>
-
-<file path=ppt/slides/slide9.xml><?xml version="1.0" encoding="utf-8"?>
-<p:sld xmlns:a="http://schemas.openxmlformats.org/drawingml/2006/main" xmlns:r="http://schemas.openxmlformats.org/officeDocument/2006/relationships" xmlns:p="http://schemas.openxmlformats.org/presentationml/2006/main">
-  <p:cSld>
-    <p:spTree>
-      <p:nvGrpSpPr>
-        <p:cNvPr id="1" name=""/>
-        <p:cNvGrpSpPr/>
-        <p:nvPr/>
-      </p:nvGrpSpPr>
-      <p:grpSpPr>
-        <a:xfrm>
-          <a:off x="0" y="0"/>
-          <a:ext cx="0" cy="0"/>
-          <a:chOff x="0" y="0"/>
-          <a:chExt cx="0" cy="0"/>
-        </a:xfrm>
-      </p:grpSpPr>
-      <p:sp>
-        <p:nvSpPr>
-          <p:cNvPr id="2" name="Titre 1"/>
-          <p:cNvSpPr>
-            <a:spLocks noGrp="1"/>
-          </p:cNvSpPr>
-          <p:nvPr>
-            <p:ph type="title"/>
-          </p:nvPr>
-        </p:nvSpPr>
-        <p:spPr/>
-        <p:txBody>
-          <a:bodyPr/>
-          <a:lstStyle/>
-          <a:p>
-            <a:endParaRPr lang="en-US" dirty="0"/>
-          </a:p>
-        </p:txBody>
-      </p:sp>
-      <p:pic>
-        <p:nvPicPr>
-          <p:cNvPr id="3" name="Image 2"/>
-          <p:cNvPicPr>
-            <a:picLocks noChangeAspect="1"/>
-          </p:cNvPicPr>
-          <p:nvPr/>
-        </p:nvPicPr>
-        <p:blipFill>
-          <a:blip r:embed="rId2" cstate="print">
-            <a:extLst>
-              <a:ext uri="{28A0092B-C50C-407E-A947-70E740481C1C}">
-                <a14:useLocalDpi xmlns:a14="http://schemas.microsoft.com/office/drawing/2010/main" val="0"/>
-              </a:ext>
-            </a:extLst>
-          </a:blip>
-          <a:stretch>
-            <a:fillRect/>
-          </a:stretch>
-        </p:blipFill>
-        <p:spPr>
-          <a:xfrm>
-            <a:off x="108860" y="2038350"/>
-            <a:ext cx="8926281" cy="3084875"/>
-          </a:xfrm>
-          <a:prstGeom prst="rect">
-            <a:avLst/>
-          </a:prstGeom>
-        </p:spPr>
-      </p:pic>
-    </p:spTree>
-    <p:extLst>
-      <p:ext uri="{BB962C8B-B14F-4D97-AF65-F5344CB8AC3E}">
-        <p14:creationId xmlns:p14="http://schemas.microsoft.com/office/powerpoint/2010/main" val="2965050689"/>
       </p:ext>
     </p:extLst>
   </p:cSld>

--- a/doc/ppt/org_modelmap.pptx
+++ b/doc/ppt/org_modelmap.pptx
@@ -7,26 +7,27 @@
   <p:sldIdLst>
     <p:sldId id="256" r:id="rId2"/>
     <p:sldId id="272" r:id="rId3"/>
-    <p:sldId id="273" r:id="rId4"/>
-    <p:sldId id="274" r:id="rId5"/>
-    <p:sldId id="275" r:id="rId6"/>
-    <p:sldId id="276" r:id="rId7"/>
-    <p:sldId id="277" r:id="rId8"/>
-    <p:sldId id="257" r:id="rId9"/>
-    <p:sldId id="258" r:id="rId10"/>
-    <p:sldId id="259" r:id="rId11"/>
-    <p:sldId id="260" r:id="rId12"/>
-    <p:sldId id="261" r:id="rId13"/>
-    <p:sldId id="262" r:id="rId14"/>
-    <p:sldId id="263" r:id="rId15"/>
-    <p:sldId id="264" r:id="rId16"/>
-    <p:sldId id="265" r:id="rId17"/>
-    <p:sldId id="266" r:id="rId18"/>
-    <p:sldId id="267" r:id="rId19"/>
-    <p:sldId id="268" r:id="rId20"/>
-    <p:sldId id="269" r:id="rId21"/>
-    <p:sldId id="270" r:id="rId22"/>
-    <p:sldId id="271" r:id="rId23"/>
+    <p:sldId id="278" r:id="rId4"/>
+    <p:sldId id="273" r:id="rId5"/>
+    <p:sldId id="274" r:id="rId6"/>
+    <p:sldId id="275" r:id="rId7"/>
+    <p:sldId id="276" r:id="rId8"/>
+    <p:sldId id="277" r:id="rId9"/>
+    <p:sldId id="257" r:id="rId10"/>
+    <p:sldId id="258" r:id="rId11"/>
+    <p:sldId id="259" r:id="rId12"/>
+    <p:sldId id="260" r:id="rId13"/>
+    <p:sldId id="261" r:id="rId14"/>
+    <p:sldId id="262" r:id="rId15"/>
+    <p:sldId id="263" r:id="rId16"/>
+    <p:sldId id="264" r:id="rId17"/>
+    <p:sldId id="265" r:id="rId18"/>
+    <p:sldId id="266" r:id="rId19"/>
+    <p:sldId id="267" r:id="rId20"/>
+    <p:sldId id="268" r:id="rId21"/>
+    <p:sldId id="269" r:id="rId22"/>
+    <p:sldId id="270" r:id="rId23"/>
+    <p:sldId id="271" r:id="rId24"/>
   </p:sldIdLst>
   <p:sldSz cx="9144000" cy="5143500" type="screen16x9"/>
   <p:notesSz cx="6858000" cy="9144000"/>
@@ -3216,6 +3217,92 @@
       </p:sp>
       <p:pic>
         <p:nvPicPr>
+          <p:cNvPr id="3" name="Image 2"/>
+          <p:cNvPicPr>
+            <a:picLocks noChangeAspect="1"/>
+          </p:cNvPicPr>
+          <p:nvPr/>
+        </p:nvPicPr>
+        <p:blipFill>
+          <a:blip r:embed="rId2" cstate="print">
+            <a:extLst>
+              <a:ext uri="{28A0092B-C50C-407E-A947-70E740481C1C}">
+                <a14:useLocalDpi xmlns:a14="http://schemas.microsoft.com/office/drawing/2010/main" val="0"/>
+              </a:ext>
+            </a:extLst>
+          </a:blip>
+          <a:stretch>
+            <a:fillRect/>
+          </a:stretch>
+        </p:blipFill>
+        <p:spPr>
+          <a:xfrm>
+            <a:off x="133356" y="2038350"/>
+            <a:ext cx="8877288" cy="3084875"/>
+          </a:xfrm>
+          <a:prstGeom prst="rect">
+            <a:avLst/>
+          </a:prstGeom>
+        </p:spPr>
+      </p:pic>
+    </p:spTree>
+    <p:extLst>
+      <p:ext uri="{BB962C8B-B14F-4D97-AF65-F5344CB8AC3E}">
+        <p14:creationId xmlns:p14="http://schemas.microsoft.com/office/powerpoint/2010/main" val="2978195981"/>
+      </p:ext>
+    </p:extLst>
+  </p:cSld>
+  <p:clrMapOvr>
+    <a:masterClrMapping/>
+  </p:clrMapOvr>
+  <p:timing>
+    <p:tnLst>
+      <p:par>
+        <p:cTn id="1" dur="indefinite" restart="never" nodeType="tmRoot"/>
+      </p:par>
+    </p:tnLst>
+  </p:timing>
+</p:sld>
+</file>
+
+<file path=ppt/slides/slide11.xml><?xml version="1.0" encoding="utf-8"?>
+<p:sld xmlns:a="http://schemas.openxmlformats.org/drawingml/2006/main" xmlns:r="http://schemas.openxmlformats.org/officeDocument/2006/relationships" xmlns:p="http://schemas.openxmlformats.org/presentationml/2006/main">
+  <p:cSld>
+    <p:spTree>
+      <p:nvGrpSpPr>
+        <p:cNvPr id="1" name=""/>
+        <p:cNvGrpSpPr/>
+        <p:nvPr/>
+      </p:nvGrpSpPr>
+      <p:grpSpPr>
+        <a:xfrm>
+          <a:off x="0" y="0"/>
+          <a:ext cx="0" cy="0"/>
+          <a:chOff x="0" y="0"/>
+          <a:chExt cx="0" cy="0"/>
+        </a:xfrm>
+      </p:grpSpPr>
+      <p:sp>
+        <p:nvSpPr>
+          <p:cNvPr id="2" name="Titre 1"/>
+          <p:cNvSpPr>
+            <a:spLocks noGrp="1"/>
+          </p:cNvSpPr>
+          <p:nvPr>
+            <p:ph type="title"/>
+          </p:nvPr>
+        </p:nvSpPr>
+        <p:spPr/>
+        <p:txBody>
+          <a:bodyPr/>
+          <a:lstStyle/>
+          <a:p>
+            <a:endParaRPr lang="en-US"/>
+          </a:p>
+        </p:txBody>
+      </p:sp>
+      <p:pic>
+        <p:nvPicPr>
           <p:cNvPr id="5" name="Image 4"/>
           <p:cNvPicPr>
             <a:picLocks noChangeAspect="1"/>
@@ -3264,7 +3351,7 @@
 </p:sld>
 </file>
 
-<file path=ppt/slides/slide11.xml><?xml version="1.0" encoding="utf-8"?>
+<file path=ppt/slides/slide12.xml><?xml version="1.0" encoding="utf-8"?>
 <p:sld xmlns:a="http://schemas.openxmlformats.org/drawingml/2006/main" xmlns:r="http://schemas.openxmlformats.org/officeDocument/2006/relationships" xmlns:p="http://schemas.openxmlformats.org/presentationml/2006/main">
   <p:cSld>
     <p:spTree>
@@ -3334,92 +3421,6 @@
     <p:extLst>
       <p:ext uri="{BB962C8B-B14F-4D97-AF65-F5344CB8AC3E}">
         <p14:creationId xmlns:p14="http://schemas.microsoft.com/office/powerpoint/2010/main" val="1911978848"/>
-      </p:ext>
-    </p:extLst>
-  </p:cSld>
-  <p:clrMapOvr>
-    <a:masterClrMapping/>
-  </p:clrMapOvr>
-  <p:timing>
-    <p:tnLst>
-      <p:par>
-        <p:cTn id="1" dur="indefinite" restart="never" nodeType="tmRoot"/>
-      </p:par>
-    </p:tnLst>
-  </p:timing>
-</p:sld>
-</file>
-
-<file path=ppt/slides/slide12.xml><?xml version="1.0" encoding="utf-8"?>
-<p:sld xmlns:a="http://schemas.openxmlformats.org/drawingml/2006/main" xmlns:r="http://schemas.openxmlformats.org/officeDocument/2006/relationships" xmlns:p="http://schemas.openxmlformats.org/presentationml/2006/main">
-  <p:cSld>
-    <p:spTree>
-      <p:nvGrpSpPr>
-        <p:cNvPr id="1" name=""/>
-        <p:cNvGrpSpPr/>
-        <p:nvPr/>
-      </p:nvGrpSpPr>
-      <p:grpSpPr>
-        <a:xfrm>
-          <a:off x="0" y="0"/>
-          <a:ext cx="0" cy="0"/>
-          <a:chOff x="0" y="0"/>
-          <a:chExt cx="0" cy="0"/>
-        </a:xfrm>
-      </p:grpSpPr>
-      <p:sp>
-        <p:nvSpPr>
-          <p:cNvPr id="2" name="Titre 1"/>
-          <p:cNvSpPr>
-            <a:spLocks noGrp="1"/>
-          </p:cNvSpPr>
-          <p:nvPr>
-            <p:ph type="title"/>
-          </p:nvPr>
-        </p:nvSpPr>
-        <p:spPr/>
-        <p:txBody>
-          <a:bodyPr/>
-          <a:lstStyle/>
-          <a:p>
-            <a:endParaRPr lang="en-US" dirty="0"/>
-          </a:p>
-        </p:txBody>
-      </p:sp>
-      <p:pic>
-        <p:nvPicPr>
-          <p:cNvPr id="3" name="Image 2"/>
-          <p:cNvPicPr>
-            <a:picLocks noChangeAspect="1"/>
-          </p:cNvPicPr>
-          <p:nvPr/>
-        </p:nvPicPr>
-        <p:blipFill>
-          <a:blip r:embed="rId2" cstate="print">
-            <a:extLst>
-              <a:ext uri="{28A0092B-C50C-407E-A947-70E740481C1C}">
-                <a14:useLocalDpi xmlns:a14="http://schemas.microsoft.com/office/drawing/2010/main" val="0"/>
-              </a:ext>
-            </a:extLst>
-          </a:blip>
-          <a:stretch>
-            <a:fillRect/>
-          </a:stretch>
-        </p:blipFill>
-        <p:spPr>
-          <a:xfrm>
-            <a:off x="133356" y="2038350"/>
-            <a:ext cx="8877288" cy="3084875"/>
-          </a:xfrm>
-          <a:prstGeom prst="rect">
-            <a:avLst/>
-          </a:prstGeom>
-        </p:spPr>
-      </p:pic>
-    </p:spTree>
-    <p:extLst>
-      <p:ext uri="{BB962C8B-B14F-4D97-AF65-F5344CB8AC3E}">
-        <p14:creationId xmlns:p14="http://schemas.microsoft.com/office/powerpoint/2010/main" val="2965050689"/>
       </p:ext>
     </p:extLst>
   </p:cSld>
@@ -3580,8 +3581,8 @@
         </p:blipFill>
         <p:spPr>
           <a:xfrm>
-            <a:off x="108860" y="2038350"/>
-            <a:ext cx="8926281" cy="3084875"/>
+            <a:off x="133356" y="2038350"/>
+            <a:ext cx="8877288" cy="3084875"/>
           </a:xfrm>
           <a:prstGeom prst="rect">
             <a:avLst/>
@@ -3732,6 +3733,92 @@
       </p:sp>
       <p:pic>
         <p:nvPicPr>
+          <p:cNvPr id="3" name="Image 2"/>
+          <p:cNvPicPr>
+            <a:picLocks noChangeAspect="1"/>
+          </p:cNvPicPr>
+          <p:nvPr/>
+        </p:nvPicPr>
+        <p:blipFill>
+          <a:blip r:embed="rId2" cstate="print">
+            <a:extLst>
+              <a:ext uri="{28A0092B-C50C-407E-A947-70E740481C1C}">
+                <a14:useLocalDpi xmlns:a14="http://schemas.microsoft.com/office/drawing/2010/main" val="0"/>
+              </a:ext>
+            </a:extLst>
+          </a:blip>
+          <a:stretch>
+            <a:fillRect/>
+          </a:stretch>
+        </p:blipFill>
+        <p:spPr>
+          <a:xfrm>
+            <a:off x="108860" y="2038350"/>
+            <a:ext cx="8926281" cy="3084875"/>
+          </a:xfrm>
+          <a:prstGeom prst="rect">
+            <a:avLst/>
+          </a:prstGeom>
+        </p:spPr>
+      </p:pic>
+    </p:spTree>
+    <p:extLst>
+      <p:ext uri="{BB962C8B-B14F-4D97-AF65-F5344CB8AC3E}">
+        <p14:creationId xmlns:p14="http://schemas.microsoft.com/office/powerpoint/2010/main" val="2965050689"/>
+      </p:ext>
+    </p:extLst>
+  </p:cSld>
+  <p:clrMapOvr>
+    <a:masterClrMapping/>
+  </p:clrMapOvr>
+  <p:timing>
+    <p:tnLst>
+      <p:par>
+        <p:cTn id="1" dur="indefinite" restart="never" nodeType="tmRoot"/>
+      </p:par>
+    </p:tnLst>
+  </p:timing>
+</p:sld>
+</file>
+
+<file path=ppt/slides/slide17.xml><?xml version="1.0" encoding="utf-8"?>
+<p:sld xmlns:a="http://schemas.openxmlformats.org/drawingml/2006/main" xmlns:r="http://schemas.openxmlformats.org/officeDocument/2006/relationships" xmlns:p="http://schemas.openxmlformats.org/presentationml/2006/main">
+  <p:cSld>
+    <p:spTree>
+      <p:nvGrpSpPr>
+        <p:cNvPr id="1" name=""/>
+        <p:cNvGrpSpPr/>
+        <p:nvPr/>
+      </p:nvGrpSpPr>
+      <p:grpSpPr>
+        <a:xfrm>
+          <a:off x="0" y="0"/>
+          <a:ext cx="0" cy="0"/>
+          <a:chOff x="0" y="0"/>
+          <a:chExt cx="0" cy="0"/>
+        </a:xfrm>
+      </p:grpSpPr>
+      <p:sp>
+        <p:nvSpPr>
+          <p:cNvPr id="2" name="Titre 1"/>
+          <p:cNvSpPr>
+            <a:spLocks noGrp="1"/>
+          </p:cNvSpPr>
+          <p:nvPr>
+            <p:ph type="title"/>
+          </p:nvPr>
+        </p:nvSpPr>
+        <p:spPr/>
+        <p:txBody>
+          <a:bodyPr/>
+          <a:lstStyle/>
+          <a:p>
+            <a:endParaRPr lang="en-US" dirty="0"/>
+          </a:p>
+        </p:txBody>
+      </p:sp>
+      <p:pic>
+        <p:nvPicPr>
           <p:cNvPr id="4" name="Image 3"/>
           <p:cNvPicPr>
             <a:picLocks noChangeAspect="1"/>
@@ -3780,7 +3867,7 @@
 </p:sld>
 </file>
 
-<file path=ppt/slides/slide17.xml><?xml version="1.0" encoding="utf-8"?>
+<file path=ppt/slides/slide18.xml><?xml version="1.0" encoding="utf-8"?>
 <p:sld xmlns:a="http://schemas.openxmlformats.org/drawingml/2006/main" xmlns:r="http://schemas.openxmlformats.org/officeDocument/2006/relationships" xmlns:p="http://schemas.openxmlformats.org/presentationml/2006/main">
   <p:cSld>
     <p:spTree>
@@ -3866,7 +3953,7 @@
 </p:sld>
 </file>
 
-<file path=ppt/slides/slide18.xml><?xml version="1.0" encoding="utf-8"?>
+<file path=ppt/slides/slide19.xml><?xml version="1.0" encoding="utf-8"?>
 <p:sld xmlns:a="http://schemas.openxmlformats.org/drawingml/2006/main" xmlns:r="http://schemas.openxmlformats.org/officeDocument/2006/relationships" xmlns:p="http://schemas.openxmlformats.org/presentationml/2006/main">
   <p:cSld>
     <p:spTree>
@@ -3926,92 +4013,6 @@
           <a:xfrm>
             <a:off x="108860" y="1657350"/>
             <a:ext cx="8926281" cy="3455335"/>
-          </a:xfrm>
-          <a:prstGeom prst="rect">
-            <a:avLst/>
-          </a:prstGeom>
-        </p:spPr>
-      </p:pic>
-    </p:spTree>
-    <p:extLst>
-      <p:ext uri="{BB962C8B-B14F-4D97-AF65-F5344CB8AC3E}">
-        <p14:creationId xmlns:p14="http://schemas.microsoft.com/office/powerpoint/2010/main" val="2965050689"/>
-      </p:ext>
-    </p:extLst>
-  </p:cSld>
-  <p:clrMapOvr>
-    <a:masterClrMapping/>
-  </p:clrMapOvr>
-  <p:timing>
-    <p:tnLst>
-      <p:par>
-        <p:cTn id="1" dur="indefinite" restart="never" nodeType="tmRoot"/>
-      </p:par>
-    </p:tnLst>
-  </p:timing>
-</p:sld>
-</file>
-
-<file path=ppt/slides/slide19.xml><?xml version="1.0" encoding="utf-8"?>
-<p:sld xmlns:a="http://schemas.openxmlformats.org/drawingml/2006/main" xmlns:r="http://schemas.openxmlformats.org/officeDocument/2006/relationships" xmlns:p="http://schemas.openxmlformats.org/presentationml/2006/main">
-  <p:cSld>
-    <p:spTree>
-      <p:nvGrpSpPr>
-        <p:cNvPr id="1" name=""/>
-        <p:cNvGrpSpPr/>
-        <p:nvPr/>
-      </p:nvGrpSpPr>
-      <p:grpSpPr>
-        <a:xfrm>
-          <a:off x="0" y="0"/>
-          <a:ext cx="0" cy="0"/>
-          <a:chOff x="0" y="0"/>
-          <a:chExt cx="0" cy="0"/>
-        </a:xfrm>
-      </p:grpSpPr>
-      <p:sp>
-        <p:nvSpPr>
-          <p:cNvPr id="2" name="Titre 1"/>
-          <p:cNvSpPr>
-            <a:spLocks noGrp="1"/>
-          </p:cNvSpPr>
-          <p:nvPr>
-            <p:ph type="title"/>
-          </p:nvPr>
-        </p:nvSpPr>
-        <p:spPr/>
-        <p:txBody>
-          <a:bodyPr/>
-          <a:lstStyle/>
-          <a:p>
-            <a:endParaRPr lang="en-US" dirty="0"/>
-          </a:p>
-        </p:txBody>
-      </p:sp>
-      <p:pic>
-        <p:nvPicPr>
-          <p:cNvPr id="3" name="Image 2"/>
-          <p:cNvPicPr>
-            <a:picLocks noChangeAspect="1"/>
-          </p:cNvPicPr>
-          <p:nvPr/>
-        </p:nvPicPr>
-        <p:blipFill>
-          <a:blip r:embed="rId2" cstate="print">
-            <a:extLst>
-              <a:ext uri="{28A0092B-C50C-407E-A947-70E740481C1C}">
-                <a14:useLocalDpi xmlns:a14="http://schemas.microsoft.com/office/drawing/2010/main" val="0"/>
-              </a:ext>
-            </a:extLst>
-          </a:blip>
-          <a:stretch>
-            <a:fillRect/>
-          </a:stretch>
-        </p:blipFill>
-        <p:spPr>
-          <a:xfrm>
-            <a:off x="108860" y="1428750"/>
-            <a:ext cx="8926281" cy="3645292"/>
           </a:xfrm>
           <a:prstGeom prst="rect">
             <a:avLst/>
@@ -4186,6 +4187,92 @@
         </p:blipFill>
         <p:spPr>
           <a:xfrm>
+            <a:off x="108860" y="1428750"/>
+            <a:ext cx="8926281" cy="3645292"/>
+          </a:xfrm>
+          <a:prstGeom prst="rect">
+            <a:avLst/>
+          </a:prstGeom>
+        </p:spPr>
+      </p:pic>
+    </p:spTree>
+    <p:extLst>
+      <p:ext uri="{BB962C8B-B14F-4D97-AF65-F5344CB8AC3E}">
+        <p14:creationId xmlns:p14="http://schemas.microsoft.com/office/powerpoint/2010/main" val="2965050689"/>
+      </p:ext>
+    </p:extLst>
+  </p:cSld>
+  <p:clrMapOvr>
+    <a:masterClrMapping/>
+  </p:clrMapOvr>
+  <p:timing>
+    <p:tnLst>
+      <p:par>
+        <p:cTn id="1" dur="indefinite" restart="never" nodeType="tmRoot"/>
+      </p:par>
+    </p:tnLst>
+  </p:timing>
+</p:sld>
+</file>
+
+<file path=ppt/slides/slide21.xml><?xml version="1.0" encoding="utf-8"?>
+<p:sld xmlns:a="http://schemas.openxmlformats.org/drawingml/2006/main" xmlns:r="http://schemas.openxmlformats.org/officeDocument/2006/relationships" xmlns:p="http://schemas.openxmlformats.org/presentationml/2006/main">
+  <p:cSld>
+    <p:spTree>
+      <p:nvGrpSpPr>
+        <p:cNvPr id="1" name=""/>
+        <p:cNvGrpSpPr/>
+        <p:nvPr/>
+      </p:nvGrpSpPr>
+      <p:grpSpPr>
+        <a:xfrm>
+          <a:off x="0" y="0"/>
+          <a:ext cx="0" cy="0"/>
+          <a:chOff x="0" y="0"/>
+          <a:chExt cx="0" cy="0"/>
+        </a:xfrm>
+      </p:grpSpPr>
+      <p:sp>
+        <p:nvSpPr>
+          <p:cNvPr id="2" name="Titre 1"/>
+          <p:cNvSpPr>
+            <a:spLocks noGrp="1"/>
+          </p:cNvSpPr>
+          <p:nvPr>
+            <p:ph type="title"/>
+          </p:nvPr>
+        </p:nvSpPr>
+        <p:spPr/>
+        <p:txBody>
+          <a:bodyPr/>
+          <a:lstStyle/>
+          <a:p>
+            <a:endParaRPr lang="en-US" dirty="0"/>
+          </a:p>
+        </p:txBody>
+      </p:sp>
+      <p:pic>
+        <p:nvPicPr>
+          <p:cNvPr id="3" name="Image 2"/>
+          <p:cNvPicPr>
+            <a:picLocks noChangeAspect="1"/>
+          </p:cNvPicPr>
+          <p:nvPr/>
+        </p:nvPicPr>
+        <p:blipFill>
+          <a:blip r:embed="rId2" cstate="print">
+            <a:extLst>
+              <a:ext uri="{28A0092B-C50C-407E-A947-70E740481C1C}">
+                <a14:useLocalDpi xmlns:a14="http://schemas.microsoft.com/office/drawing/2010/main" val="0"/>
+              </a:ext>
+            </a:extLst>
+          </a:blip>
+          <a:stretch>
+            <a:fillRect/>
+          </a:stretch>
+        </p:blipFill>
+        <p:spPr>
+          <a:xfrm>
             <a:off x="108860" y="1276350"/>
             <a:ext cx="8926281" cy="3836969"/>
           </a:xfrm>
@@ -4214,7 +4301,7 @@
 </p:sld>
 </file>
 
-<file path=ppt/slides/slide21.xml><?xml version="1.0" encoding="utf-8"?>
+<file path=ppt/slides/slide22.xml><?xml version="1.0" encoding="utf-8"?>
 <p:sld xmlns:a="http://schemas.openxmlformats.org/drawingml/2006/main" xmlns:r="http://schemas.openxmlformats.org/officeDocument/2006/relationships" xmlns:p="http://schemas.openxmlformats.org/presentationml/2006/main">
   <p:cSld>
     <p:spTree>
@@ -4300,7 +4387,7 @@
 </p:sld>
 </file>
 
-<file path=ppt/slides/slide22.xml><?xml version="1.0" encoding="utf-8"?>
+<file path=ppt/slides/slide23.xml><?xml version="1.0" encoding="utf-8"?>
 <p:sld xmlns:a="http://schemas.openxmlformats.org/drawingml/2006/main" xmlns:r="http://schemas.openxmlformats.org/officeDocument/2006/relationships" xmlns:p="http://schemas.openxmlformats.org/presentationml/2006/main">
   <p:cSld>
     <p:spTree>
@@ -4420,6 +4507,181 @@
           <a:p>
             <a:r>
               <a:rPr lang="en-US" dirty="0" smtClean="0"/>
+              <a:t>Architecture Buzz</a:t>
+            </a:r>
+            <a:endParaRPr lang="en-US" dirty="0"/>
+          </a:p>
+        </p:txBody>
+      </p:sp>
+      <p:sp>
+        <p:nvSpPr>
+          <p:cNvPr id="3" name="Espace réservé du contenu 2"/>
+          <p:cNvSpPr>
+            <a:spLocks noGrp="1"/>
+          </p:cNvSpPr>
+          <p:nvPr>
+            <p:ph idx="1"/>
+          </p:nvPr>
+        </p:nvSpPr>
+        <p:spPr/>
+        <p:txBody>
+          <a:bodyPr>
+            <a:normAutofit fontScale="70000" lnSpcReduction="20000"/>
+          </a:bodyPr>
+          <a:lstStyle/>
+          <a:p>
+            <a:r>
+              <a:rPr lang="en-US" dirty="0" smtClean="0"/>
+              <a:t>Copy on write</a:t>
+            </a:r>
+          </a:p>
+          <a:p>
+            <a:r>
+              <a:rPr lang="en-US" dirty="0" smtClean="0"/>
+              <a:t>Immutable </a:t>
+            </a:r>
+            <a:r>
+              <a:rPr lang="en-US" dirty="0"/>
+              <a:t>d</a:t>
+            </a:r>
+            <a:r>
+              <a:rPr lang="en-US" dirty="0" smtClean="0"/>
+              <a:t>ata</a:t>
+            </a:r>
+          </a:p>
+          <a:p>
+            <a:r>
+              <a:rPr lang="en-US" dirty="0" err="1" smtClean="0"/>
+              <a:t>noSQL</a:t>
+            </a:r>
+            <a:endParaRPr lang="en-US" dirty="0" smtClean="0"/>
+          </a:p>
+          <a:p>
+            <a:r>
+              <a:rPr lang="en-US" dirty="0" smtClean="0"/>
+              <a:t>Clustered Data Base</a:t>
+            </a:r>
+          </a:p>
+          <a:p>
+            <a:r>
+              <a:rPr lang="en-US" dirty="0" smtClean="0"/>
+              <a:t>CQRS</a:t>
+            </a:r>
+          </a:p>
+          <a:p>
+            <a:r>
+              <a:rPr lang="en-US" dirty="0" smtClean="0"/>
+              <a:t>Data streaming</a:t>
+            </a:r>
+          </a:p>
+          <a:p>
+            <a:r>
+              <a:rPr lang="en-US" dirty="0" smtClean="0"/>
+              <a:t>Micro batching</a:t>
+            </a:r>
+          </a:p>
+          <a:p>
+            <a:r>
+              <a:rPr lang="en-US" dirty="0" smtClean="0"/>
+              <a:t>Lambda architecture</a:t>
+            </a:r>
+          </a:p>
+          <a:p>
+            <a:r>
+              <a:rPr lang="en-US" dirty="0" smtClean="0"/>
+              <a:t>Data on demand</a:t>
+            </a:r>
+          </a:p>
+        </p:txBody>
+      </p:sp>
+      <p:pic>
+        <p:nvPicPr>
+          <p:cNvPr id="1026" name="Picture 2" descr="http://toys.tfw2005.com/wp-content/uploads/sites/12/2010/02/Buzz-Robot-2_1266239631.jpg"/>
+          <p:cNvPicPr>
+            <a:picLocks noChangeAspect="1" noChangeArrowheads="1"/>
+          </p:cNvPicPr>
+          <p:nvPr/>
+        </p:nvPicPr>
+        <p:blipFill>
+          <a:blip r:embed="rId2" cstate="print">
+            <a:extLst>
+              <a:ext uri="{28A0092B-C50C-407E-A947-70E740481C1C}">
+                <a14:useLocalDpi xmlns:a14="http://schemas.microsoft.com/office/drawing/2010/main" val="0"/>
+              </a:ext>
+            </a:extLst>
+          </a:blip>
+          <a:srcRect/>
+          <a:stretch>
+            <a:fillRect/>
+          </a:stretch>
+        </p:blipFill>
+        <p:spPr bwMode="auto">
+          <a:xfrm>
+            <a:off x="4343400" y="971550"/>
+            <a:ext cx="4343400" cy="3999854"/>
+          </a:xfrm>
+          <a:prstGeom prst="rect">
+            <a:avLst/>
+          </a:prstGeom>
+          <a:noFill/>
+          <a:extLst>
+            <a:ext uri="{909E8E84-426E-40DD-AFC4-6F175D3DCCD1}">
+              <a14:hiddenFill xmlns:a14="http://schemas.microsoft.com/office/drawing/2010/main">
+                <a:solidFill>
+                  <a:srgbClr val="FFFFFF"/>
+                </a:solidFill>
+              </a14:hiddenFill>
+            </a:ext>
+          </a:extLst>
+        </p:spPr>
+      </p:pic>
+    </p:spTree>
+    <p:extLst>
+      <p:ext uri="{BB962C8B-B14F-4D97-AF65-F5344CB8AC3E}">
+        <p14:creationId xmlns:p14="http://schemas.microsoft.com/office/powerpoint/2010/main" val="1309360076"/>
+      </p:ext>
+    </p:extLst>
+  </p:cSld>
+  <p:clrMapOvr>
+    <a:masterClrMapping/>
+  </p:clrMapOvr>
+</p:sld>
+</file>
+
+<file path=ppt/slides/slide4.xml><?xml version="1.0" encoding="utf-8"?>
+<p:sld xmlns:a="http://schemas.openxmlformats.org/drawingml/2006/main" xmlns:r="http://schemas.openxmlformats.org/officeDocument/2006/relationships" xmlns:p="http://schemas.openxmlformats.org/presentationml/2006/main">
+  <p:cSld>
+    <p:spTree>
+      <p:nvGrpSpPr>
+        <p:cNvPr id="1" name=""/>
+        <p:cNvGrpSpPr/>
+        <p:nvPr/>
+      </p:nvGrpSpPr>
+      <p:grpSpPr>
+        <a:xfrm>
+          <a:off x="0" y="0"/>
+          <a:ext cx="0" cy="0"/>
+          <a:chOff x="0" y="0"/>
+          <a:chExt cx="0" cy="0"/>
+        </a:xfrm>
+      </p:grpSpPr>
+      <p:sp>
+        <p:nvSpPr>
+          <p:cNvPr id="2" name="Titre 1"/>
+          <p:cNvSpPr>
+            <a:spLocks noGrp="1"/>
+          </p:cNvSpPr>
+          <p:nvPr>
+            <p:ph type="title"/>
+          </p:nvPr>
+        </p:nvSpPr>
+        <p:spPr/>
+        <p:txBody>
+          <a:bodyPr/>
+          <a:lstStyle/>
+          <a:p>
+            <a:r>
+              <a:rPr lang="en-US" dirty="0" smtClean="0"/>
               <a:t>What you want …</a:t>
             </a:r>
             <a:endParaRPr lang="en-US" dirty="0"/>
@@ -4476,7 +4738,7 @@
 </p:sld>
 </file>
 
-<file path=ppt/slides/slide4.xml><?xml version="1.0" encoding="utf-8"?>
+<file path=ppt/slides/slide5.xml><?xml version="1.0" encoding="utf-8"?>
 <p:sld xmlns:a="http://schemas.openxmlformats.org/drawingml/2006/main" xmlns:r="http://schemas.openxmlformats.org/officeDocument/2006/relationships" xmlns:p="http://schemas.openxmlformats.org/presentationml/2006/main">
   <p:cSld>
     <p:spTree>
@@ -4566,7 +4828,7 @@
 </p:sld>
 </file>
 
-<file path=ppt/slides/slide5.xml><?xml version="1.0" encoding="utf-8"?>
+<file path=ppt/slides/slide6.xml><?xml version="1.0" encoding="utf-8"?>
 <p:sld xmlns:a="http://schemas.openxmlformats.org/drawingml/2006/main" xmlns:r="http://schemas.openxmlformats.org/officeDocument/2006/relationships" xmlns:p="http://schemas.openxmlformats.org/presentationml/2006/main">
   <p:cSld>
     <p:spTree>
@@ -4600,7 +4862,7 @@
           <a:p>
             <a:r>
               <a:rPr lang="en-US" dirty="0" smtClean="0"/>
-              <a:t>Front App</a:t>
+              <a:t>Front app evolutions</a:t>
             </a:r>
             <a:endParaRPr lang="en-US" dirty="0"/>
           </a:p>
@@ -4674,15 +4936,7 @@
             </a:pPr>
             <a:r>
               <a:rPr lang="en-US" dirty="0" smtClean="0"/>
-              <a:t>Governance of the domain model and change request are </a:t>
-            </a:r>
-            <a:r>
-              <a:rPr lang="en-US" dirty="0" err="1" smtClean="0"/>
-              <a:t>difficults</a:t>
-            </a:r>
-            <a:r>
-              <a:rPr lang="en-US" dirty="0" smtClean="0"/>
-              <a:t> to implements</a:t>
+              <a:t>Governance of the domain model and change request are difficult to implements</a:t>
             </a:r>
           </a:p>
           <a:p>
@@ -4702,14 +4956,10 @@
             </a:pPr>
             <a:r>
               <a:rPr lang="en-US" dirty="0"/>
-              <a:t>UI </a:t>
-            </a:r>
-            <a:r>
-              <a:rPr lang="en-US"/>
-              <a:t>Spaghetti </a:t>
-            </a:r>
-            <a:r>
-              <a:rPr lang="en-US" smtClean="0"/>
+              <a:t>UI Spaghetti </a:t>
+            </a:r>
+            <a:r>
+              <a:rPr lang="en-US" dirty="0" smtClean="0"/>
               <a:t>code</a:t>
             </a:r>
           </a:p>
@@ -4728,7 +4978,7 @@
 </p:sld>
 </file>
 
-<file path=ppt/slides/slide6.xml><?xml version="1.0" encoding="utf-8"?>
+<file path=ppt/slides/slide7.xml><?xml version="1.0" encoding="utf-8"?>
 <p:sld xmlns:a="http://schemas.openxmlformats.org/drawingml/2006/main" xmlns:r="http://schemas.openxmlformats.org/officeDocument/2006/relationships" xmlns:p="http://schemas.openxmlformats.org/presentationml/2006/main">
   <p:cSld>
     <p:spTree>
@@ -4762,7 +5012,7 @@
           <a:p>
             <a:r>
               <a:rPr lang="en-US" dirty="0" smtClean="0"/>
-              <a:t>Front Storage</a:t>
+              <a:t>Front storage evolutions</a:t>
             </a:r>
             <a:endParaRPr lang="en-US" dirty="0"/>
           </a:p>
@@ -4798,6 +5048,79 @@
           </a:prstGeom>
         </p:spPr>
       </p:pic>
+      <p:sp>
+        <p:nvSpPr>
+          <p:cNvPr id="5" name="ZoneTexte 4"/>
+          <p:cNvSpPr txBox="1"/>
+          <p:nvPr/>
+        </p:nvSpPr>
+        <p:spPr>
+          <a:xfrm>
+            <a:off x="4343400" y="1200150"/>
+            <a:ext cx="4572000" cy="2308324"/>
+          </a:xfrm>
+          <a:prstGeom prst="rect">
+            <a:avLst/>
+          </a:prstGeom>
+          <a:noFill/>
+        </p:spPr>
+        <p:txBody>
+          <a:bodyPr wrap="square" rtlCol="0">
+            <a:spAutoFit/>
+          </a:bodyPr>
+          <a:lstStyle/>
+          <a:p>
+            <a:pPr marL="285750" indent="-285750">
+              <a:buFont typeface="Wingdings" panose="05000000000000000000" pitchFamily="2" charset="2"/>
+              <a:buChar char="§"/>
+            </a:pPr>
+            <a:r>
+              <a:rPr lang="en-US" dirty="0" smtClean="0"/>
+              <a:t>Mapping entities in Cassandra is painful</a:t>
+            </a:r>
+          </a:p>
+          <a:p>
+            <a:pPr marL="285750" indent="-285750">
+              <a:buFont typeface="Wingdings" panose="05000000000000000000" pitchFamily="2" charset="2"/>
+              <a:buChar char="§"/>
+            </a:pPr>
+            <a:r>
+              <a:rPr lang="en-US" dirty="0" smtClean="0"/>
+              <a:t>Don’t migrate your Entity/Relation model as it !</a:t>
+            </a:r>
+          </a:p>
+          <a:p>
+            <a:pPr marL="285750" indent="-285750">
+              <a:buFont typeface="Wingdings" panose="05000000000000000000" pitchFamily="2" charset="2"/>
+              <a:buChar char="§"/>
+            </a:pPr>
+            <a:r>
+              <a:rPr lang="en-US" dirty="0" smtClean="0"/>
+              <a:t>You should probably flat your domain model to fit a single raw</a:t>
+            </a:r>
+          </a:p>
+          <a:p>
+            <a:pPr marL="285750" indent="-285750">
+              <a:buFont typeface="Wingdings" panose="05000000000000000000" pitchFamily="2" charset="2"/>
+              <a:buChar char="§"/>
+            </a:pPr>
+            <a:r>
+              <a:rPr lang="en-US" dirty="0" smtClean="0"/>
+              <a:t>Infinite storage</a:t>
+            </a:r>
+          </a:p>
+          <a:p>
+            <a:pPr marL="285750" indent="-285750">
+              <a:buFont typeface="Wingdings" panose="05000000000000000000" pitchFamily="2" charset="2"/>
+              <a:buChar char="§"/>
+            </a:pPr>
+            <a:endParaRPr lang="en-US" dirty="0" smtClean="0"/>
+          </a:p>
+          <a:p>
+            <a:endParaRPr lang="en-US" dirty="0"/>
+          </a:p>
+        </p:txBody>
+      </p:sp>
     </p:spTree>
     <p:extLst>
       <p:ext uri="{BB962C8B-B14F-4D97-AF65-F5344CB8AC3E}">
@@ -4811,7 +5134,7 @@
 </p:sld>
 </file>
 
-<file path=ppt/slides/slide7.xml><?xml version="1.0" encoding="utf-8"?>
+<file path=ppt/slides/slide8.xml><?xml version="1.0" encoding="utf-8"?>
 <p:sld xmlns:a="http://schemas.openxmlformats.org/drawingml/2006/main" xmlns:r="http://schemas.openxmlformats.org/officeDocument/2006/relationships" xmlns:p="http://schemas.openxmlformats.org/presentationml/2006/main">
   <p:cSld>
     <p:spTree>
@@ -4845,7 +5168,7 @@
           <a:p>
             <a:r>
               <a:rPr lang="en-US" dirty="0" smtClean="0"/>
-              <a:t>BackOffice</a:t>
+              <a:t>BackOffice evolutions</a:t>
             </a:r>
             <a:endParaRPr lang="en-US" dirty="0"/>
           </a:p>
@@ -4873,14 +5196,97 @@
         </p:blipFill>
         <p:spPr>
           <a:xfrm>
-            <a:off x="152400" y="1256874"/>
-            <a:ext cx="5166222" cy="3677076"/>
+            <a:off x="152400" y="1200150"/>
+            <a:ext cx="4800600" cy="3416843"/>
           </a:xfrm>
           <a:prstGeom prst="rect">
             <a:avLst/>
           </a:prstGeom>
         </p:spPr>
       </p:pic>
+      <p:sp>
+        <p:nvSpPr>
+          <p:cNvPr id="5" name="ZoneTexte 4"/>
+          <p:cNvSpPr txBox="1"/>
+          <p:nvPr/>
+        </p:nvSpPr>
+        <p:spPr>
+          <a:xfrm>
+            <a:off x="5105400" y="1200150"/>
+            <a:ext cx="3810000" cy="2585323"/>
+          </a:xfrm>
+          <a:prstGeom prst="rect">
+            <a:avLst/>
+          </a:prstGeom>
+          <a:noFill/>
+        </p:spPr>
+        <p:txBody>
+          <a:bodyPr wrap="square" rtlCol="0">
+            <a:spAutoFit/>
+          </a:bodyPr>
+          <a:lstStyle/>
+          <a:p>
+            <a:pPr marL="285750" indent="-285750">
+              <a:buFont typeface="Wingdings" panose="05000000000000000000" pitchFamily="2" charset="2"/>
+              <a:buChar char="§"/>
+            </a:pPr>
+            <a:r>
+              <a:rPr lang="en-US" dirty="0"/>
+              <a:t>A lot of rework to implements</a:t>
+            </a:r>
+          </a:p>
+          <a:p>
+            <a:pPr marL="285750" indent="-285750">
+              <a:buFont typeface="Wingdings" panose="05000000000000000000" pitchFamily="2" charset="2"/>
+              <a:buChar char="§"/>
+            </a:pPr>
+            <a:r>
+              <a:rPr lang="en-US" dirty="0" smtClean="0"/>
+              <a:t>Spark and ML-lib love data vectors</a:t>
+            </a:r>
+          </a:p>
+          <a:p>
+            <a:pPr marL="285750" indent="-285750">
+              <a:buFont typeface="Wingdings" panose="05000000000000000000" pitchFamily="2" charset="2"/>
+              <a:buChar char="§"/>
+            </a:pPr>
+            <a:r>
+              <a:rPr lang="en-US" dirty="0" smtClean="0"/>
+              <a:t>Spark read raw data, aggregate, write them in micro batches</a:t>
+            </a:r>
+          </a:p>
+          <a:p>
+            <a:pPr marL="285750" indent="-285750">
+              <a:buFont typeface="Wingdings" panose="05000000000000000000" pitchFamily="2" charset="2"/>
+              <a:buChar char="§"/>
+            </a:pPr>
+            <a:r>
+              <a:rPr lang="en-US" dirty="0" smtClean="0"/>
+              <a:t>No more nightly batches</a:t>
+            </a:r>
+          </a:p>
+          <a:p>
+            <a:pPr marL="285750" indent="-285750">
+              <a:buFont typeface="Wingdings" panose="05000000000000000000" pitchFamily="2" charset="2"/>
+              <a:buChar char="§"/>
+            </a:pPr>
+            <a:r>
+              <a:rPr lang="en-US" dirty="0" smtClean="0"/>
+              <a:t>Full history is available for custom computations</a:t>
+            </a:r>
+          </a:p>
+          <a:p>
+            <a:pPr marL="285750" indent="-285750">
+              <a:buFont typeface="Wingdings" panose="05000000000000000000" pitchFamily="2" charset="2"/>
+              <a:buChar char="§"/>
+            </a:pPr>
+            <a:endParaRPr lang="en-US" dirty="0" smtClean="0"/>
+          </a:p>
+          <a:p>
+            <a:endParaRPr lang="en-US" dirty="0"/>
+          </a:p>
+        </p:txBody>
+      </p:sp>
     </p:spTree>
     <p:extLst>
       <p:ext uri="{BB962C8B-B14F-4D97-AF65-F5344CB8AC3E}">
@@ -4894,7 +5300,7 @@
 </p:sld>
 </file>
 
-<file path=ppt/slides/slide8.xml><?xml version="1.0" encoding="utf-8"?>
+<file path=ppt/slides/slide9.xml><?xml version="1.0" encoding="utf-8"?>
 <p:sld xmlns:a="http://schemas.openxmlformats.org/drawingml/2006/main" xmlns:r="http://schemas.openxmlformats.org/officeDocument/2006/relationships" xmlns:p="http://schemas.openxmlformats.org/presentationml/2006/main">
   <p:cSld>
     <p:spTree>
@@ -4964,92 +5370,6 @@
     <p:extLst>
       <p:ext uri="{BB962C8B-B14F-4D97-AF65-F5344CB8AC3E}">
         <p14:creationId xmlns:p14="http://schemas.microsoft.com/office/powerpoint/2010/main" val="86924005"/>
-      </p:ext>
-    </p:extLst>
-  </p:cSld>
-  <p:clrMapOvr>
-    <a:masterClrMapping/>
-  </p:clrMapOvr>
-  <p:timing>
-    <p:tnLst>
-      <p:par>
-        <p:cTn id="1" dur="indefinite" restart="never" nodeType="tmRoot"/>
-      </p:par>
-    </p:tnLst>
-  </p:timing>
-</p:sld>
-</file>
-
-<file path=ppt/slides/slide9.xml><?xml version="1.0" encoding="utf-8"?>
-<p:sld xmlns:a="http://schemas.openxmlformats.org/drawingml/2006/main" xmlns:r="http://schemas.openxmlformats.org/officeDocument/2006/relationships" xmlns:p="http://schemas.openxmlformats.org/presentationml/2006/main">
-  <p:cSld>
-    <p:spTree>
-      <p:nvGrpSpPr>
-        <p:cNvPr id="1" name=""/>
-        <p:cNvGrpSpPr/>
-        <p:nvPr/>
-      </p:nvGrpSpPr>
-      <p:grpSpPr>
-        <a:xfrm>
-          <a:off x="0" y="0"/>
-          <a:ext cx="0" cy="0"/>
-          <a:chOff x="0" y="0"/>
-          <a:chExt cx="0" cy="0"/>
-        </a:xfrm>
-      </p:grpSpPr>
-      <p:sp>
-        <p:nvSpPr>
-          <p:cNvPr id="2" name="Titre 1"/>
-          <p:cNvSpPr>
-            <a:spLocks noGrp="1"/>
-          </p:cNvSpPr>
-          <p:nvPr>
-            <p:ph type="title"/>
-          </p:nvPr>
-        </p:nvSpPr>
-        <p:spPr/>
-        <p:txBody>
-          <a:bodyPr/>
-          <a:lstStyle/>
-          <a:p>
-            <a:endParaRPr lang="en-US"/>
-          </a:p>
-        </p:txBody>
-      </p:sp>
-      <p:pic>
-        <p:nvPicPr>
-          <p:cNvPr id="3" name="Image 2"/>
-          <p:cNvPicPr>
-            <a:picLocks noChangeAspect="1"/>
-          </p:cNvPicPr>
-          <p:nvPr/>
-        </p:nvPicPr>
-        <p:blipFill>
-          <a:blip r:embed="rId2" cstate="print">
-            <a:extLst>
-              <a:ext uri="{28A0092B-C50C-407E-A947-70E740481C1C}">
-                <a14:useLocalDpi xmlns:a14="http://schemas.microsoft.com/office/drawing/2010/main" val="0"/>
-              </a:ext>
-            </a:extLst>
-          </a:blip>
-          <a:stretch>
-            <a:fillRect/>
-          </a:stretch>
-        </p:blipFill>
-        <p:spPr>
-          <a:xfrm>
-            <a:off x="133356" y="2038350"/>
-            <a:ext cx="8877288" cy="3084875"/>
-          </a:xfrm>
-          <a:prstGeom prst="rect">
-            <a:avLst/>
-          </a:prstGeom>
-        </p:spPr>
-      </p:pic>
-    </p:spTree>
-    <p:extLst>
-      <p:ext uri="{BB962C8B-B14F-4D97-AF65-F5344CB8AC3E}">
-        <p14:creationId xmlns:p14="http://schemas.microsoft.com/office/powerpoint/2010/main" val="2978195981"/>
       </p:ext>
     </p:extLst>
   </p:cSld>

--- a/doc/ppt/org_modelmap.pptx
+++ b/doc/ppt/org_modelmap.pptx
@@ -4645,6 +4645,13 @@
   <p:clrMapOvr>
     <a:masterClrMapping/>
   </p:clrMapOvr>
+  <p:timing>
+    <p:tnLst>
+      <p:par>
+        <p:cTn id="1" dur="indefinite" restart="never" nodeType="tmRoot"/>
+      </p:par>
+    </p:tnLst>
+  </p:timing>
 </p:sld>
 </file>
 
@@ -4926,8 +4933,13 @@
             </a:pPr>
             <a:r>
               <a:rPr lang="en-US" dirty="0" smtClean="0"/>
-              <a:t>Your domain model is cloned using two different language</a:t>
-            </a:r>
+              <a:t>Your domain model is cloned using two </a:t>
+            </a:r>
+            <a:r>
+              <a:rPr lang="en-US" dirty="0" smtClean="0"/>
+              <a:t>different languages</a:t>
+            </a:r>
+            <a:endParaRPr lang="en-US" dirty="0" smtClean="0"/>
           </a:p>
           <a:p>
             <a:pPr marL="285750" indent="-285750">
@@ -4936,8 +4948,21 @@
             </a:pPr>
             <a:r>
               <a:rPr lang="en-US" dirty="0" smtClean="0"/>
-              <a:t>Governance of the domain model and change request are difficult to implements</a:t>
-            </a:r>
+              <a:t>Governance of the domain model and change </a:t>
+            </a:r>
+            <a:r>
+              <a:rPr lang="en-US" dirty="0" smtClean="0"/>
+              <a:t>requests </a:t>
+            </a:r>
+            <a:r>
+              <a:rPr lang="en-US" dirty="0" smtClean="0"/>
+              <a:t>are difficult to </a:t>
+            </a:r>
+            <a:r>
+              <a:rPr lang="en-US" dirty="0" smtClean="0"/>
+              <a:t>implement</a:t>
+            </a:r>
+            <a:endParaRPr lang="en-US" dirty="0" smtClean="0"/>
           </a:p>
           <a:p>
             <a:pPr marL="285750" indent="-285750">
@@ -4946,8 +4971,21 @@
             </a:pPr>
             <a:r>
               <a:rPr lang="en-US" dirty="0" smtClean="0"/>
-              <a:t>Development owners of the server and JavaScript application are different</a:t>
-            </a:r>
+              <a:t>Development owners of the server and </a:t>
+            </a:r>
+            <a:r>
+              <a:rPr lang="en-US" dirty="0" smtClean="0"/>
+              <a:t>JavaScript </a:t>
+            </a:r>
+            <a:r>
+              <a:rPr lang="en-US" dirty="0" smtClean="0"/>
+              <a:t>application are </a:t>
+            </a:r>
+            <a:r>
+              <a:rPr lang="en-US" dirty="0" smtClean="0"/>
+              <a:t>different</a:t>
+            </a:r>
+            <a:endParaRPr lang="en-US" dirty="0" smtClean="0"/>
           </a:p>
           <a:p>
             <a:pPr marL="285750" indent="-285750">
@@ -4956,7 +4994,11 @@
             </a:pPr>
             <a:r>
               <a:rPr lang="en-US" dirty="0"/>
-              <a:t>UI Spaghetti </a:t>
+              <a:t>UI </a:t>
+            </a:r>
+            <a:r>
+              <a:rPr lang="en-US" dirty="0" smtClean="0"/>
+              <a:t>spaghetti </a:t>
             </a:r>
             <a:r>
               <a:rPr lang="en-US" dirty="0" smtClean="0"/>
@@ -4975,6 +5017,13 @@
   <p:clrMapOvr>
     <a:masterClrMapping/>
   </p:clrMapOvr>
+  <p:timing>
+    <p:tnLst>
+      <p:par>
+        <p:cTn id="1" dur="indefinite" restart="never" nodeType="tmRoot"/>
+      </p:par>
+    </p:tnLst>
+  </p:timing>
 </p:sld>
 </file>
 
@@ -5131,6 +5180,13 @@
   <p:clrMapOvr>
     <a:masterClrMapping/>
   </p:clrMapOvr>
+  <p:timing>
+    <p:tnLst>
+      <p:par>
+        <p:cTn id="1" dur="indefinite" restart="never" nodeType="tmRoot"/>
+      </p:par>
+    </p:tnLst>
+  </p:timing>
 </p:sld>
 </file>
 
@@ -5232,8 +5288,13 @@
             </a:pPr>
             <a:r>
               <a:rPr lang="en-US" dirty="0"/>
-              <a:t>A lot of rework to implements</a:t>
-            </a:r>
+              <a:t>A lot of rework to </a:t>
+            </a:r>
+            <a:r>
+              <a:rPr lang="en-US" dirty="0" smtClean="0"/>
+              <a:t>implement</a:t>
+            </a:r>
+            <a:endParaRPr lang="en-US" dirty="0"/>
           </a:p>
           <a:p>
             <a:pPr marL="285750" indent="-285750">
@@ -5272,8 +5333,21 @@
             </a:pPr>
             <a:r>
               <a:rPr lang="en-US" dirty="0" smtClean="0"/>
-              <a:t>Full history is available for custom computations</a:t>
-            </a:r>
+              <a:t>Full history is available for </a:t>
+            </a:r>
+            <a:r>
+              <a:rPr lang="en-US" dirty="0" smtClean="0"/>
+              <a:t>on-demand </a:t>
+            </a:r>
+            <a:r>
+              <a:rPr lang="en-US" dirty="0" smtClean="0"/>
+              <a:t>and </a:t>
+            </a:r>
+            <a:r>
+              <a:rPr lang="en-US" dirty="0" smtClean="0"/>
+              <a:t>custom computations</a:t>
+            </a:r>
+            <a:endParaRPr lang="en-US" dirty="0" smtClean="0"/>
           </a:p>
           <a:p>
             <a:pPr marL="285750" indent="-285750">
@@ -5297,6 +5371,13 @@
   <p:clrMapOvr>
     <a:masterClrMapping/>
   </p:clrMapOvr>
+  <p:timing>
+    <p:tnLst>
+      <p:par>
+        <p:cTn id="1" dur="indefinite" restart="never" nodeType="tmRoot"/>
+      </p:par>
+    </p:tnLst>
+  </p:timing>
 </p:sld>
 </file>
 
